--- a/Sesión_0/Semana 0.pptx
+++ b/Sesión_0/Semana 0.pptx
@@ -156,6 +156,14 @@
     </p:ext>
   </p:extLst>
 </p:presentation>
+</file>
+
+<file path=ppt/revisionInfo.xml><?xml version="1.0" encoding="utf-8"?>
+<p1510:revInfo xmlns:a="http://schemas.openxmlformats.org/drawingml/2006/main" xmlns:r="http://schemas.openxmlformats.org/officeDocument/2006/relationships" xmlns:p1510="http://schemas.microsoft.com/office/powerpoint/2015/10/main">
+  <p1510:revLst>
+    <p1510:client id="{734B5F73-C98D-44CC-99AC-FC7AA898038E}" v="4" dt="2025-01-04T00:03:52.037"/>
+  </p1510:revLst>
+</p1510:revInfo>
 </file>
 
 <file path=ppt/changesInfos/changesInfo1.xml><?xml version="1.0" encoding="utf-8"?>
@@ -575,23 +583,77 @@
   </pc:docChgLst>
   <pc:docChgLst>
     <pc:chgData name="JHEYSON FABIAN VILLAVISAN BUITRAGO" userId="e5ced5c2-d787-455d-b115-4f08a699b8c8" providerId="ADAL" clId="{734B5F73-C98D-44CC-99AC-FC7AA898038E}"/>
-    <pc:docChg chg="modSld">
-      <pc:chgData name="JHEYSON FABIAN VILLAVISAN BUITRAGO" userId="e5ced5c2-d787-455d-b115-4f08a699b8c8" providerId="ADAL" clId="{734B5F73-C98D-44CC-99AC-FC7AA898038E}" dt="2025-01-03T19:40:51.929" v="0" actId="14100"/>
+    <pc:docChg chg="custSel modSld">
+      <pc:chgData name="JHEYSON FABIAN VILLAVISAN BUITRAGO" userId="e5ced5c2-d787-455d-b115-4f08a699b8c8" providerId="ADAL" clId="{734B5F73-C98D-44CC-99AC-FC7AA898038E}" dt="2025-01-04T00:04:01.387" v="11" actId="1076"/>
       <pc:docMkLst>
         <pc:docMk/>
       </pc:docMkLst>
       <pc:sldChg chg="modSp mod">
-        <pc:chgData name="JHEYSON FABIAN VILLAVISAN BUITRAGO" userId="e5ced5c2-d787-455d-b115-4f08a699b8c8" providerId="ADAL" clId="{734B5F73-C98D-44CC-99AC-FC7AA898038E}" dt="2025-01-03T19:40:51.929" v="0" actId="14100"/>
+        <pc:chgData name="JHEYSON FABIAN VILLAVISAN BUITRAGO" userId="e5ced5c2-d787-455d-b115-4f08a699b8c8" providerId="ADAL" clId="{734B5F73-C98D-44CC-99AC-FC7AA898038E}" dt="2025-01-04T00:03:38.590" v="7" actId="1076"/>
         <pc:sldMkLst>
           <pc:docMk/>
           <pc:sldMk cId="0" sldId="268"/>
         </pc:sldMkLst>
         <pc:spChg chg="mod">
-          <ac:chgData name="JHEYSON FABIAN VILLAVISAN BUITRAGO" userId="e5ced5c2-d787-455d-b115-4f08a699b8c8" providerId="ADAL" clId="{734B5F73-C98D-44CC-99AC-FC7AA898038E}" dt="2025-01-03T19:40:51.929" v="0" actId="14100"/>
+          <ac:chgData name="JHEYSON FABIAN VILLAVISAN BUITRAGO" userId="e5ced5c2-d787-455d-b115-4f08a699b8c8" providerId="ADAL" clId="{734B5F73-C98D-44CC-99AC-FC7AA898038E}" dt="2025-01-04T00:03:38.590" v="7" actId="1076"/>
           <ac:spMkLst>
             <pc:docMk/>
             <pc:sldMk cId="0" sldId="268"/>
             <ac:spMk id="7" creationId="{ADAEF221-46CF-A663-F648-2E7E83894D62}"/>
+          </ac:spMkLst>
+        </pc:spChg>
+      </pc:sldChg>
+      <pc:sldChg chg="addSp delSp modSp mod">
+        <pc:chgData name="JHEYSON FABIAN VILLAVISAN BUITRAGO" userId="e5ced5c2-d787-455d-b115-4f08a699b8c8" providerId="ADAL" clId="{734B5F73-C98D-44CC-99AC-FC7AA898038E}" dt="2025-01-04T00:03:24.644" v="4"/>
+        <pc:sldMkLst>
+          <pc:docMk/>
+          <pc:sldMk cId="2965408220" sldId="280"/>
+        </pc:sldMkLst>
+        <pc:spChg chg="add mod">
+          <ac:chgData name="JHEYSON FABIAN VILLAVISAN BUITRAGO" userId="e5ced5c2-d787-455d-b115-4f08a699b8c8" providerId="ADAL" clId="{734B5F73-C98D-44CC-99AC-FC7AA898038E}" dt="2025-01-04T00:03:24.644" v="4"/>
+          <ac:spMkLst>
+            <pc:docMk/>
+            <pc:sldMk cId="2965408220" sldId="280"/>
+            <ac:spMk id="3" creationId="{35BBD13D-748C-1A84-FE8D-1DD18C63D484}"/>
+          </ac:spMkLst>
+        </pc:spChg>
+        <pc:spChg chg="del">
+          <ac:chgData name="JHEYSON FABIAN VILLAVISAN BUITRAGO" userId="e5ced5c2-d787-455d-b115-4f08a699b8c8" providerId="ADAL" clId="{734B5F73-C98D-44CC-99AC-FC7AA898038E}" dt="2025-01-04T00:03:21.932" v="3" actId="478"/>
+          <ac:spMkLst>
+            <pc:docMk/>
+            <pc:sldMk cId="2965408220" sldId="280"/>
+            <ac:spMk id="8" creationId="{5932E3F1-24A7-A01F-0773-6237BD556E80}"/>
+          </ac:spMkLst>
+        </pc:spChg>
+        <pc:graphicFrameChg chg="add mod">
+          <ac:chgData name="JHEYSON FABIAN VILLAVISAN BUITRAGO" userId="e5ced5c2-d787-455d-b115-4f08a699b8c8" providerId="ADAL" clId="{734B5F73-C98D-44CC-99AC-FC7AA898038E}" dt="2025-01-04T00:03:17.232" v="2"/>
+          <ac:graphicFrameMkLst>
+            <pc:docMk/>
+            <pc:sldMk cId="2965408220" sldId="280"/>
+            <ac:graphicFrameMk id="2" creationId="{4FE20D8D-079D-2477-98ED-1A48C58F16BF}"/>
+          </ac:graphicFrameMkLst>
+        </pc:graphicFrameChg>
+        <pc:graphicFrameChg chg="del">
+          <ac:chgData name="JHEYSON FABIAN VILLAVISAN BUITRAGO" userId="e5ced5c2-d787-455d-b115-4f08a699b8c8" providerId="ADAL" clId="{734B5F73-C98D-44CC-99AC-FC7AA898038E}" dt="2025-01-04T00:03:13.819" v="1" actId="478"/>
+          <ac:graphicFrameMkLst>
+            <pc:docMk/>
+            <pc:sldMk cId="2965408220" sldId="280"/>
+            <ac:graphicFrameMk id="6" creationId="{D45444DB-DE93-829B-F32A-C3FB962F868B}"/>
+          </ac:graphicFrameMkLst>
+        </pc:graphicFrameChg>
+      </pc:sldChg>
+      <pc:sldChg chg="modSp mod">
+        <pc:chgData name="JHEYSON FABIAN VILLAVISAN BUITRAGO" userId="e5ced5c2-d787-455d-b115-4f08a699b8c8" providerId="ADAL" clId="{734B5F73-C98D-44CC-99AC-FC7AA898038E}" dt="2025-01-04T00:04:01.387" v="11" actId="1076"/>
+        <pc:sldMkLst>
+          <pc:docMk/>
+          <pc:sldMk cId="3192913639" sldId="281"/>
+        </pc:sldMkLst>
+        <pc:spChg chg="mod">
+          <ac:chgData name="JHEYSON FABIAN VILLAVISAN BUITRAGO" userId="e5ced5c2-d787-455d-b115-4f08a699b8c8" providerId="ADAL" clId="{734B5F73-C98D-44CC-99AC-FC7AA898038E}" dt="2025-01-04T00:04:01.387" v="11" actId="1076"/>
+          <ac:spMkLst>
+            <pc:docMk/>
+            <pc:sldMk cId="3192913639" sldId="281"/>
+            <ac:spMk id="3" creationId="{989468C4-5745-FDFE-6E28-10FFE4C6E858}"/>
           </ac:spMkLst>
         </pc:spChg>
       </pc:sldChg>
@@ -8192,224 +8254,6 @@
       </p:pic>
       <p:sp>
         <p:nvSpPr>
-          <p:cNvPr id="8" name="Rectángulo 9">
-            <a:extLst>
-              <a:ext uri="{FF2B5EF4-FFF2-40B4-BE49-F238E27FC236}">
-                <a16:creationId xmlns:a16="http://schemas.microsoft.com/office/drawing/2014/main" id="{5932E3F1-24A7-A01F-0773-6237BD556E80}"/>
-              </a:ext>
-            </a:extLst>
-          </p:cNvPr>
-          <p:cNvSpPr>
-            <a:spLocks noChangeArrowheads="1"/>
-          </p:cNvSpPr>
-          <p:nvPr/>
-        </p:nvSpPr>
-        <p:spPr bwMode="auto">
-          <a:xfrm>
-            <a:off x="4464453" y="6431465"/>
-            <a:ext cx="4010025" cy="461665"/>
-          </a:xfrm>
-          <a:prstGeom prst="rect">
-            <a:avLst/>
-          </a:prstGeom>
-          <a:noFill/>
-          <a:ln>
-            <a:noFill/>
-          </a:ln>
-          <a:extLst>
-            <a:ext uri="{909E8E84-426E-40DD-AFC4-6F175D3DCCD1}">
-              <a14:hiddenFill xmlns:a14="http://schemas.microsoft.com/office/drawing/2010/main">
-                <a:solidFill>
-                  <a:srgbClr val="FFFFFF"/>
-                </a:solidFill>
-              </a14:hiddenFill>
-            </a:ext>
-            <a:ext uri="{91240B29-F687-4F45-9708-019B960494DF}">
-              <a14:hiddenLine xmlns:a14="http://schemas.microsoft.com/office/drawing/2010/main" w="9525">
-                <a:solidFill>
-                  <a:srgbClr val="000000"/>
-                </a:solidFill>
-                <a:miter lim="800000"/>
-                <a:headEnd/>
-                <a:tailEnd/>
-              </a14:hiddenLine>
-            </a:ext>
-          </a:extLst>
-        </p:spPr>
-        <p:txBody>
-          <a:bodyPr>
-            <a:spAutoFit/>
-          </a:bodyPr>
-          <a:lstStyle>
-            <a:lvl1pPr>
-              <a:spcBef>
-                <a:spcPct val="20000"/>
-              </a:spcBef>
-              <a:buFont typeface="Arial" panose="020B0604020202020204" pitchFamily="34" charset="0"/>
-              <a:buChar char="•"/>
-              <a:defRPr sz="3200">
-                <a:solidFill>
-                  <a:schemeClr val="tx1"/>
-                </a:solidFill>
-                <a:latin typeface="Arial" panose="020B0604020202020204" pitchFamily="34" charset="0"/>
-                <a:cs typeface="Arial" panose="020B0604020202020204" pitchFamily="34" charset="0"/>
-              </a:defRPr>
-            </a:lvl1pPr>
-            <a:lvl2pPr marL="742950" indent="-285750">
-              <a:spcBef>
-                <a:spcPct val="20000"/>
-              </a:spcBef>
-              <a:buFont typeface="Arial" panose="020B0604020202020204" pitchFamily="34" charset="0"/>
-              <a:buChar char="–"/>
-              <a:defRPr sz="2800">
-                <a:solidFill>
-                  <a:schemeClr val="tx1"/>
-                </a:solidFill>
-                <a:latin typeface="Arial" panose="020B0604020202020204" pitchFamily="34" charset="0"/>
-                <a:cs typeface="Arial" panose="020B0604020202020204" pitchFamily="34" charset="0"/>
-              </a:defRPr>
-            </a:lvl2pPr>
-            <a:lvl3pPr marL="1143000" indent="-228600">
-              <a:spcBef>
-                <a:spcPct val="20000"/>
-              </a:spcBef>
-              <a:buFont typeface="Arial" panose="020B0604020202020204" pitchFamily="34" charset="0"/>
-              <a:buChar char="•"/>
-              <a:defRPr sz="2400">
-                <a:solidFill>
-                  <a:schemeClr val="tx1"/>
-                </a:solidFill>
-                <a:latin typeface="Arial" panose="020B0604020202020204" pitchFamily="34" charset="0"/>
-                <a:cs typeface="Arial" panose="020B0604020202020204" pitchFamily="34" charset="0"/>
-              </a:defRPr>
-            </a:lvl3pPr>
-            <a:lvl4pPr marL="1600200" indent="-228600">
-              <a:spcBef>
-                <a:spcPct val="20000"/>
-              </a:spcBef>
-              <a:buFont typeface="Arial" panose="020B0604020202020204" pitchFamily="34" charset="0"/>
-              <a:buChar char="–"/>
-              <a:defRPr sz="2000">
-                <a:solidFill>
-                  <a:schemeClr val="tx1"/>
-                </a:solidFill>
-                <a:latin typeface="Arial" panose="020B0604020202020204" pitchFamily="34" charset="0"/>
-                <a:cs typeface="Arial" panose="020B0604020202020204" pitchFamily="34" charset="0"/>
-              </a:defRPr>
-            </a:lvl4pPr>
-            <a:lvl5pPr marL="2057400" indent="-228600">
-              <a:spcBef>
-                <a:spcPct val="20000"/>
-              </a:spcBef>
-              <a:buFont typeface="Arial" panose="020B0604020202020204" pitchFamily="34" charset="0"/>
-              <a:buChar char="»"/>
-              <a:defRPr sz="2000">
-                <a:solidFill>
-                  <a:schemeClr val="tx1"/>
-                </a:solidFill>
-                <a:latin typeface="Arial" panose="020B0604020202020204" pitchFamily="34" charset="0"/>
-                <a:cs typeface="Arial" panose="020B0604020202020204" pitchFamily="34" charset="0"/>
-              </a:defRPr>
-            </a:lvl5pPr>
-            <a:lvl6pPr marL="2514600" indent="-228600" eaLnBrk="0" fontAlgn="base" hangingPunct="0">
-              <a:spcBef>
-                <a:spcPct val="20000"/>
-              </a:spcBef>
-              <a:spcAft>
-                <a:spcPct val="0"/>
-              </a:spcAft>
-              <a:buFont typeface="Arial" panose="020B0604020202020204" pitchFamily="34" charset="0"/>
-              <a:buChar char="»"/>
-              <a:defRPr sz="2000">
-                <a:solidFill>
-                  <a:schemeClr val="tx1"/>
-                </a:solidFill>
-                <a:latin typeface="Arial" panose="020B0604020202020204" pitchFamily="34" charset="0"/>
-                <a:cs typeface="Arial" panose="020B0604020202020204" pitchFamily="34" charset="0"/>
-              </a:defRPr>
-            </a:lvl6pPr>
-            <a:lvl7pPr marL="2971800" indent="-228600" eaLnBrk="0" fontAlgn="base" hangingPunct="0">
-              <a:spcBef>
-                <a:spcPct val="20000"/>
-              </a:spcBef>
-              <a:spcAft>
-                <a:spcPct val="0"/>
-              </a:spcAft>
-              <a:buFont typeface="Arial" panose="020B0604020202020204" pitchFamily="34" charset="0"/>
-              <a:buChar char="»"/>
-              <a:defRPr sz="2000">
-                <a:solidFill>
-                  <a:schemeClr val="tx1"/>
-                </a:solidFill>
-                <a:latin typeface="Arial" panose="020B0604020202020204" pitchFamily="34" charset="0"/>
-                <a:cs typeface="Arial" panose="020B0604020202020204" pitchFamily="34" charset="0"/>
-              </a:defRPr>
-            </a:lvl7pPr>
-            <a:lvl8pPr marL="3429000" indent="-228600" eaLnBrk="0" fontAlgn="base" hangingPunct="0">
-              <a:spcBef>
-                <a:spcPct val="20000"/>
-              </a:spcBef>
-              <a:spcAft>
-                <a:spcPct val="0"/>
-              </a:spcAft>
-              <a:buFont typeface="Arial" panose="020B0604020202020204" pitchFamily="34" charset="0"/>
-              <a:buChar char="»"/>
-              <a:defRPr sz="2000">
-                <a:solidFill>
-                  <a:schemeClr val="tx1"/>
-                </a:solidFill>
-                <a:latin typeface="Arial" panose="020B0604020202020204" pitchFamily="34" charset="0"/>
-                <a:cs typeface="Arial" panose="020B0604020202020204" pitchFamily="34" charset="0"/>
-              </a:defRPr>
-            </a:lvl8pPr>
-            <a:lvl9pPr marL="3886200" indent="-228600" eaLnBrk="0" fontAlgn="base" hangingPunct="0">
-              <a:spcBef>
-                <a:spcPct val="20000"/>
-              </a:spcBef>
-              <a:spcAft>
-                <a:spcPct val="0"/>
-              </a:spcAft>
-              <a:buFont typeface="Arial" panose="020B0604020202020204" pitchFamily="34" charset="0"/>
-              <a:buChar char="»"/>
-              <a:defRPr sz="2000">
-                <a:solidFill>
-                  <a:schemeClr val="tx1"/>
-                </a:solidFill>
-                <a:latin typeface="Arial" panose="020B0604020202020204" pitchFamily="34" charset="0"/>
-                <a:cs typeface="Arial" panose="020B0604020202020204" pitchFamily="34" charset="0"/>
-              </a:defRPr>
-            </a:lvl9pPr>
-          </a:lstStyle>
-          <a:p>
-            <a:pPr algn="ctr">
-              <a:spcBef>
-                <a:spcPct val="0"/>
-              </a:spcBef>
-              <a:buFontTx/>
-              <a:buNone/>
-            </a:pPr>
-            <a:r>
-              <a:rPr lang="es-CO" altLang="es-CO" sz="1200" dirty="0"/>
-              <a:t> Martes:       18:10 - 19:50</a:t>
-            </a:r>
-          </a:p>
-          <a:p>
-            <a:pPr algn="ctr">
-              <a:spcBef>
-                <a:spcPct val="0"/>
-              </a:spcBef>
-              <a:buFontTx/>
-              <a:buNone/>
-            </a:pPr>
-            <a:r>
-              <a:rPr lang="es-CO" altLang="es-CO" sz="1200" dirty="0"/>
-              <a:t> Martes:      20:20 – 21:30</a:t>
-            </a:r>
-          </a:p>
-        </p:txBody>
-      </p:sp>
-      <p:sp>
-        <p:nvSpPr>
           <p:cNvPr id="9" name="2 Subtítulo">
             <a:extLst>
               <a:ext uri="{FF2B5EF4-FFF2-40B4-BE49-F238E27FC236}">
@@ -8637,10 +8481,10 @@
       </p:sp>
       <p:graphicFrame>
         <p:nvGraphicFramePr>
-          <p:cNvPr id="6" name="Tabla 3">
+          <p:cNvPr id="2" name="Tabla 3">
             <a:extLst>
               <a:ext uri="{FF2B5EF4-FFF2-40B4-BE49-F238E27FC236}">
-                <a16:creationId xmlns:a16="http://schemas.microsoft.com/office/drawing/2014/main" id="{D45444DB-DE93-829B-F32A-C3FB962F868B}"/>
+                <a16:creationId xmlns:a16="http://schemas.microsoft.com/office/drawing/2014/main" id="{4FE20D8D-079D-2477-98ED-1A48C58F16BF}"/>
               </a:ext>
             </a:extLst>
           </p:cNvPr>
@@ -8650,14 +8494,14 @@
           <p:nvPr>
             <p:extLst>
               <p:ext uri="{D42A27DB-BD31-4B8C-83A1-F6EECF244321}">
-                <p14:modId xmlns:p14="http://schemas.microsoft.com/office/powerpoint/2010/main" val="1993244258"/>
+                <p14:modId xmlns:p14="http://schemas.microsoft.com/office/powerpoint/2010/main" val="1186503772"/>
               </p:ext>
             </p:extLst>
           </p:nvPr>
         </p:nvGraphicFramePr>
         <p:xfrm>
           <a:off x="863588" y="670925"/>
-          <a:ext cx="7416824" cy="5753068"/>
+          <a:ext cx="7416824" cy="5483937"/>
         </p:xfrm>
         <a:graphic>
           <a:graphicData uri="http://schemas.openxmlformats.org/drawingml/2006/table">
@@ -8827,7 +8671,7 @@
                       <a:pPr algn="ctr"/>
                       <a:r>
                         <a:rPr lang="es-CO" sz="1000" dirty="0"/>
-                        <a:t>5 agosto – 10 agosto</a:t>
+                        <a:t>3 febrero – 7 febrero</a:t>
                       </a:r>
                     </a:p>
                   </a:txBody>
@@ -8893,11 +8737,7 @@
                         <a:defRPr/>
                       </a:pPr>
                       <a:r>
-                        <a:rPr lang="es-CO" sz="1000" dirty="0">
-                          <a:highlight>
-                            <a:srgbClr val="00FF00"/>
-                          </a:highlight>
-                        </a:rPr>
+                        <a:rPr lang="es-CO" sz="1000" dirty="0"/>
                         <a:t>Introducción – Generalidades</a:t>
                       </a:r>
                     </a:p>
@@ -8920,19 +8760,11 @@
                         <a:defRPr/>
                       </a:pPr>
                       <a:r>
-                        <a:rPr lang="es-CO" sz="1000" dirty="0" err="1">
-                          <a:highlight>
-                            <a:srgbClr val="00FF00"/>
-                          </a:highlight>
-                        </a:rPr>
+                        <a:rPr lang="es-CO" sz="1000" dirty="0" err="1"/>
                         <a:t>Intro</a:t>
                       </a:r>
                       <a:r>
-                        <a:rPr lang="es-CO" sz="1000" dirty="0">
-                          <a:highlight>
-                            <a:srgbClr val="00FF00"/>
-                          </a:highlight>
-                        </a:rPr>
+                        <a:rPr lang="es-CO" sz="1000" dirty="0"/>
                         <a:t> Matlab</a:t>
                       </a:r>
                     </a:p>
@@ -9046,7 +8878,7 @@
                             <a:schemeClr val="tx1"/>
                           </a:solidFill>
                         </a:rPr>
-                        <a:t>12 agosto – 16 agosto</a:t>
+                        <a:t>10 febrero – 14 febrero</a:t>
                       </a:r>
                     </a:p>
                   </a:txBody>
@@ -9210,7 +9042,7 @@
                             <a:schemeClr val="tx1"/>
                           </a:solidFill>
                         </a:rPr>
-                        <a:t>19 agosto –23 agosto</a:t>
+                        <a:t>17 febrero – 21 febrero</a:t>
                       </a:r>
                     </a:p>
                   </a:txBody>
@@ -9374,7 +9206,7 @@
                             <a:schemeClr val="tx1"/>
                           </a:solidFill>
                         </a:rPr>
-                        <a:t>26 agosto – 30 agosto</a:t>
+                        <a:t>24 febrero – 28 febrero</a:t>
                       </a:r>
                     </a:p>
                   </a:txBody>
@@ -9540,12 +9372,8 @@
                     <a:p>
                       <a:pPr algn="ctr"/>
                       <a:r>
-                        <a:rPr lang="es-CO" sz="1000" dirty="0">
-                          <a:solidFill>
-                            <a:schemeClr val="tx1"/>
-                          </a:solidFill>
-                        </a:rPr>
-                        <a:t>2 septiembre – 6 septiembre</a:t>
+                        <a:rPr lang="es-CO" sz="1000" dirty="0"/>
+                        <a:t>3 marzo – 7 marzo</a:t>
                       </a:r>
                     </a:p>
                   </a:txBody>
@@ -9709,7 +9537,7 @@
                             <a:schemeClr val="tx1"/>
                           </a:solidFill>
                         </a:rPr>
-                        <a:t>9 septiembre – 13 septiembre</a:t>
+                        <a:t>10 marzo – 14 marzo</a:t>
                       </a:r>
                     </a:p>
                   </a:txBody>
@@ -9872,12 +9700,8 @@
                     <a:p>
                       <a:pPr algn="ctr"/>
                       <a:r>
-                        <a:rPr lang="es-CO" sz="1000" dirty="0">
-                          <a:solidFill>
-                            <a:schemeClr val="tx1"/>
-                          </a:solidFill>
-                        </a:rPr>
-                        <a:t> 18 marzo – 22 marzo</a:t>
+                        <a:rPr lang="es-CO" sz="1000" dirty="0"/>
+                        <a:t> 17 marzo – 21 marzo</a:t>
                       </a:r>
                     </a:p>
                   </a:txBody>
@@ -10038,10 +9862,13 @@
                       <a:r>
                         <a:rPr lang="es-CO" sz="1000" dirty="0">
                           <a:solidFill>
-                            <a:schemeClr val="tx1"/>
+                            <a:srgbClr val="FF0000"/>
                           </a:solidFill>
+                          <a:highlight>
+                            <a:srgbClr val="FFFF00"/>
+                          </a:highlight>
                         </a:rPr>
-                        <a:t>16 septiembre – 20 septiembre</a:t>
+                        <a:t>24 marzo – 28 marzo</a:t>
                       </a:r>
                     </a:p>
                   </a:txBody>
@@ -10249,7 +10076,7 @@
                             <a:schemeClr val="tx1"/>
                           </a:solidFill>
                         </a:rPr>
-                        <a:t>23 septiembre – 27 septiembre</a:t>
+                        <a:t>31 marzo – 4 abril</a:t>
                       </a:r>
                     </a:p>
                   </a:txBody>
@@ -10414,12 +10241,8 @@
                     <a:p>
                       <a:pPr algn="ctr"/>
                       <a:r>
-                        <a:rPr lang="es-CO" sz="1000" dirty="0">
-                          <a:solidFill>
-                            <a:schemeClr val="tx1"/>
-                          </a:solidFill>
-                        </a:rPr>
-                        <a:t>30 septiembre – 4 octubre</a:t>
+                        <a:rPr lang="es-CO" sz="1000" dirty="0"/>
+                        <a:t>7 abril – 11 abril</a:t>
                       </a:r>
                     </a:p>
                   </a:txBody>
@@ -10596,10 +10419,13 @@
                       <a:r>
                         <a:rPr lang="es-CO" sz="1000" dirty="0">
                           <a:solidFill>
-                            <a:schemeClr val="tx1"/>
+                            <a:srgbClr val="FF0000"/>
                           </a:solidFill>
+                          <a:highlight>
+                            <a:srgbClr val="FFFF00"/>
+                          </a:highlight>
                         </a:rPr>
-                        <a:t>7 octubre – 11 octubre</a:t>
+                        <a:t>14 abril – 18 abril</a:t>
                       </a:r>
                     </a:p>
                   </a:txBody>
@@ -10666,7 +10492,7 @@
                       </a:pPr>
                       <a:r>
                         <a:rPr lang="es-CO" sz="1000" dirty="0"/>
-                        <a:t>El controlador PID</a:t>
+                        <a:t>-</a:t>
                       </a:r>
                     </a:p>
                   </a:txBody>
@@ -10779,199 +10605,7 @@
                             <a:schemeClr val="tx1"/>
                           </a:solidFill>
                         </a:rPr>
-                        <a:t>14 octubre – 18 octubre </a:t>
-                      </a:r>
-                    </a:p>
-                  </a:txBody>
-                  <a:tcPr>
-                    <a:lnL w="12700" cap="flat" cmpd="sng" algn="ctr">
-                      <a:solidFill>
-                        <a:schemeClr val="tx1"/>
-                      </a:solidFill>
-                      <a:prstDash val="solid"/>
-                      <a:round/>
-                      <a:headEnd type="none" w="med" len="med"/>
-                      <a:tailEnd type="none" w="med" len="med"/>
-                    </a:lnL>
-                    <a:lnR w="12700" cap="flat" cmpd="sng" algn="ctr">
-                      <a:solidFill>
-                        <a:schemeClr val="tx1"/>
-                      </a:solidFill>
-                      <a:prstDash val="solid"/>
-                      <a:round/>
-                      <a:headEnd type="none" w="med" len="med"/>
-                      <a:tailEnd type="none" w="med" len="med"/>
-                    </a:lnR>
-                    <a:lnT w="12700" cap="flat" cmpd="sng" algn="ctr">
-                      <a:solidFill>
-                        <a:schemeClr val="tx1"/>
-                      </a:solidFill>
-                      <a:prstDash val="solid"/>
-                      <a:round/>
-                      <a:headEnd type="none" w="med" len="med"/>
-                      <a:tailEnd type="none" w="med" len="med"/>
-                    </a:lnT>
-                    <a:lnB w="12700" cap="flat" cmpd="sng" algn="ctr">
-                      <a:solidFill>
-                        <a:schemeClr val="tx1"/>
-                      </a:solidFill>
-                      <a:prstDash val="solid"/>
-                      <a:round/>
-                      <a:headEnd type="none" w="med" len="med"/>
-                      <a:tailEnd type="none" w="med" len="med"/>
-                    </a:lnB>
-                  </a:tcPr>
-                </a:tc>
-                <a:tc>
-                  <a:txBody>
-                    <a:bodyPr/>
-                    <a:lstStyle/>
-                    <a:p>
-                      <a:pPr marL="0" marR="0" lvl="0" indent="0" algn="ctr" defTabSz="685800" rtl="0" eaLnBrk="1" fontAlgn="auto" latinLnBrk="0" hangingPunct="1">
-                        <a:lnSpc>
-                          <a:spcPct val="100000"/>
-                        </a:lnSpc>
-                        <a:spcBef>
-                          <a:spcPts val="0"/>
-                        </a:spcBef>
-                        <a:spcAft>
-                          <a:spcPts val="0"/>
-                        </a:spcAft>
-                        <a:buClrTx/>
-                        <a:buSzTx/>
-                        <a:buFontTx/>
-                        <a:buNone/>
-                        <a:tabLst/>
-                        <a:defRPr/>
-                      </a:pPr>
-                      <a:r>
-                        <a:rPr lang="es-CO" sz="1000" dirty="0"/>
-                        <a:t>Diseño basado en LGR</a:t>
-                      </a:r>
-                    </a:p>
-                  </a:txBody>
-                  <a:tcPr>
-                    <a:lnL w="12700" cap="flat" cmpd="sng" algn="ctr">
-                      <a:solidFill>
-                        <a:schemeClr val="tx1"/>
-                      </a:solidFill>
-                      <a:prstDash val="solid"/>
-                      <a:round/>
-                      <a:headEnd type="none" w="med" len="med"/>
-                      <a:tailEnd type="none" w="med" len="med"/>
-                    </a:lnL>
-                    <a:lnR w="12700" cap="flat" cmpd="sng" algn="ctr">
-                      <a:solidFill>
-                        <a:schemeClr val="tx1"/>
-                      </a:solidFill>
-                      <a:prstDash val="solid"/>
-                      <a:round/>
-                      <a:headEnd type="none" w="med" len="med"/>
-                      <a:tailEnd type="none" w="med" len="med"/>
-                    </a:lnR>
-                    <a:lnT w="12700" cap="flat" cmpd="sng" algn="ctr">
-                      <a:solidFill>
-                        <a:schemeClr val="tx1"/>
-                      </a:solidFill>
-                      <a:prstDash val="solid"/>
-                      <a:round/>
-                      <a:headEnd type="none" w="med" len="med"/>
-                      <a:tailEnd type="none" w="med" len="med"/>
-                    </a:lnT>
-                    <a:lnB w="12700" cap="flat" cmpd="sng" algn="ctr">
-                      <a:solidFill>
-                        <a:schemeClr val="tx1"/>
-                      </a:solidFill>
-                      <a:prstDash val="solid"/>
-                      <a:round/>
-                      <a:headEnd type="none" w="med" len="med"/>
-                      <a:tailEnd type="none" w="med" len="med"/>
-                    </a:lnB>
-                  </a:tcPr>
-                </a:tc>
-                <a:extLst>
-                  <a:ext uri="{0D108BD9-81ED-4DB2-BD59-A6C34878D82A}">
-                    <a16:rowId xmlns:a16="http://schemas.microsoft.com/office/drawing/2014/main" val="534397848"/>
-                  </a:ext>
-                </a:extLst>
-              </a:tr>
-              <a:tr h="269131">
-                <a:tc>
-                  <a:txBody>
-                    <a:bodyPr/>
-                    <a:lstStyle/>
-                    <a:p>
-                      <a:pPr algn="ctr"/>
-                      <a:r>
-                        <a:rPr lang="es-CO" sz="1000" dirty="0"/>
-                        <a:t>13</a:t>
-                      </a:r>
-                    </a:p>
-                  </a:txBody>
-                  <a:tcPr>
-                    <a:lnL w="12700" cap="flat" cmpd="sng" algn="ctr">
-                      <a:solidFill>
-                        <a:schemeClr val="tx1"/>
-                      </a:solidFill>
-                      <a:prstDash val="solid"/>
-                      <a:round/>
-                      <a:headEnd type="none" w="med" len="med"/>
-                      <a:tailEnd type="none" w="med" len="med"/>
-                    </a:lnL>
-                    <a:lnR w="12700" cap="flat" cmpd="sng" algn="ctr">
-                      <a:solidFill>
-                        <a:schemeClr val="tx1"/>
-                      </a:solidFill>
-                      <a:prstDash val="solid"/>
-                      <a:round/>
-                      <a:headEnd type="none" w="med" len="med"/>
-                      <a:tailEnd type="none" w="med" len="med"/>
-                    </a:lnR>
-                    <a:lnT w="12700" cap="flat" cmpd="sng" algn="ctr">
-                      <a:solidFill>
-                        <a:schemeClr val="tx1"/>
-                      </a:solidFill>
-                      <a:prstDash val="solid"/>
-                      <a:round/>
-                      <a:headEnd type="none" w="med" len="med"/>
-                      <a:tailEnd type="none" w="med" len="med"/>
-                    </a:lnT>
-                    <a:lnB w="12700" cap="flat" cmpd="sng" algn="ctr">
-                      <a:solidFill>
-                        <a:schemeClr val="tx1"/>
-                      </a:solidFill>
-                      <a:prstDash val="solid"/>
-                      <a:round/>
-                      <a:headEnd type="none" w="med" len="med"/>
-                      <a:tailEnd type="none" w="med" len="med"/>
-                    </a:lnB>
-                  </a:tcPr>
-                </a:tc>
-                <a:tc>
-                  <a:txBody>
-                    <a:bodyPr/>
-                    <a:lstStyle/>
-                    <a:p>
-                      <a:pPr marL="0" marR="0" lvl="0" indent="0" algn="ctr" defTabSz="914400" rtl="0" eaLnBrk="1" fontAlgn="auto" latinLnBrk="0" hangingPunct="1">
-                        <a:lnSpc>
-                          <a:spcPct val="100000"/>
-                        </a:lnSpc>
-                        <a:spcBef>
-                          <a:spcPts val="0"/>
-                        </a:spcBef>
-                        <a:spcAft>
-                          <a:spcPts val="0"/>
-                        </a:spcAft>
-                        <a:buClrTx/>
-                        <a:buSzTx/>
-                        <a:buFontTx/>
-                        <a:buNone/>
-                        <a:tabLst/>
-                        <a:defRPr/>
-                      </a:pPr>
-                      <a:r>
-                        <a:rPr lang="es-CO" sz="1000" dirty="0"/>
-                        <a:t>21 octubre – 25 octubre</a:t>
+                        <a:t>21 abril – 25 abril</a:t>
                       </a:r>
                     </a:p>
                   </a:txBody>
@@ -11087,6 +10721,198 @@
                 </a:tc>
                 <a:extLst>
                   <a:ext uri="{0D108BD9-81ED-4DB2-BD59-A6C34878D82A}">
+                    <a16:rowId xmlns:a16="http://schemas.microsoft.com/office/drawing/2014/main" val="534397848"/>
+                  </a:ext>
+                </a:extLst>
+              </a:tr>
+              <a:tr h="269131">
+                <a:tc>
+                  <a:txBody>
+                    <a:bodyPr/>
+                    <a:lstStyle/>
+                    <a:p>
+                      <a:pPr algn="ctr"/>
+                      <a:r>
+                        <a:rPr lang="es-CO" sz="1000" dirty="0"/>
+                        <a:t>13</a:t>
+                      </a:r>
+                    </a:p>
+                  </a:txBody>
+                  <a:tcPr>
+                    <a:lnL w="12700" cap="flat" cmpd="sng" algn="ctr">
+                      <a:solidFill>
+                        <a:schemeClr val="tx1"/>
+                      </a:solidFill>
+                      <a:prstDash val="solid"/>
+                      <a:round/>
+                      <a:headEnd type="none" w="med" len="med"/>
+                      <a:tailEnd type="none" w="med" len="med"/>
+                    </a:lnL>
+                    <a:lnR w="12700" cap="flat" cmpd="sng" algn="ctr">
+                      <a:solidFill>
+                        <a:schemeClr val="tx1"/>
+                      </a:solidFill>
+                      <a:prstDash val="solid"/>
+                      <a:round/>
+                      <a:headEnd type="none" w="med" len="med"/>
+                      <a:tailEnd type="none" w="med" len="med"/>
+                    </a:lnR>
+                    <a:lnT w="12700" cap="flat" cmpd="sng" algn="ctr">
+                      <a:solidFill>
+                        <a:schemeClr val="tx1"/>
+                      </a:solidFill>
+                      <a:prstDash val="solid"/>
+                      <a:round/>
+                      <a:headEnd type="none" w="med" len="med"/>
+                      <a:tailEnd type="none" w="med" len="med"/>
+                    </a:lnT>
+                    <a:lnB w="12700" cap="flat" cmpd="sng" algn="ctr">
+                      <a:solidFill>
+                        <a:schemeClr val="tx1"/>
+                      </a:solidFill>
+                      <a:prstDash val="solid"/>
+                      <a:round/>
+                      <a:headEnd type="none" w="med" len="med"/>
+                      <a:tailEnd type="none" w="med" len="med"/>
+                    </a:lnB>
+                  </a:tcPr>
+                </a:tc>
+                <a:tc>
+                  <a:txBody>
+                    <a:bodyPr/>
+                    <a:lstStyle/>
+                    <a:p>
+                      <a:pPr marL="0" marR="0" lvl="0" indent="0" algn="ctr" defTabSz="914400" rtl="0" eaLnBrk="1" fontAlgn="auto" latinLnBrk="0" hangingPunct="1">
+                        <a:lnSpc>
+                          <a:spcPct val="100000"/>
+                        </a:lnSpc>
+                        <a:spcBef>
+                          <a:spcPts val="0"/>
+                        </a:spcBef>
+                        <a:spcAft>
+                          <a:spcPts val="0"/>
+                        </a:spcAft>
+                        <a:buClrTx/>
+                        <a:buSzTx/>
+                        <a:buFontTx/>
+                        <a:buNone/>
+                        <a:tabLst/>
+                        <a:defRPr/>
+                      </a:pPr>
+                      <a:r>
+                        <a:rPr lang="es-CO" sz="1000" dirty="0"/>
+                        <a:t>28 abril – 2 mayo</a:t>
+                      </a:r>
+                    </a:p>
+                  </a:txBody>
+                  <a:tcPr>
+                    <a:lnL w="12700" cap="flat" cmpd="sng" algn="ctr">
+                      <a:solidFill>
+                        <a:schemeClr val="tx1"/>
+                      </a:solidFill>
+                      <a:prstDash val="solid"/>
+                      <a:round/>
+                      <a:headEnd type="none" w="med" len="med"/>
+                      <a:tailEnd type="none" w="med" len="med"/>
+                    </a:lnL>
+                    <a:lnR w="12700" cap="flat" cmpd="sng" algn="ctr">
+                      <a:solidFill>
+                        <a:schemeClr val="tx1"/>
+                      </a:solidFill>
+                      <a:prstDash val="solid"/>
+                      <a:round/>
+                      <a:headEnd type="none" w="med" len="med"/>
+                      <a:tailEnd type="none" w="med" len="med"/>
+                    </a:lnR>
+                    <a:lnT w="12700" cap="flat" cmpd="sng" algn="ctr">
+                      <a:solidFill>
+                        <a:schemeClr val="tx1"/>
+                      </a:solidFill>
+                      <a:prstDash val="solid"/>
+                      <a:round/>
+                      <a:headEnd type="none" w="med" len="med"/>
+                      <a:tailEnd type="none" w="med" len="med"/>
+                    </a:lnT>
+                    <a:lnB w="12700" cap="flat" cmpd="sng" algn="ctr">
+                      <a:solidFill>
+                        <a:schemeClr val="tx1"/>
+                      </a:solidFill>
+                      <a:prstDash val="solid"/>
+                      <a:round/>
+                      <a:headEnd type="none" w="med" len="med"/>
+                      <a:tailEnd type="none" w="med" len="med"/>
+                    </a:lnB>
+                  </a:tcPr>
+                </a:tc>
+                <a:tc>
+                  <a:txBody>
+                    <a:bodyPr/>
+                    <a:lstStyle/>
+                    <a:p>
+                      <a:pPr marL="0" marR="0" lvl="0" indent="0" algn="ctr" defTabSz="685800" rtl="0" eaLnBrk="1" fontAlgn="auto" latinLnBrk="0" hangingPunct="1">
+                        <a:lnSpc>
+                          <a:spcPct val="100000"/>
+                        </a:lnSpc>
+                        <a:spcBef>
+                          <a:spcPts val="0"/>
+                        </a:spcBef>
+                        <a:spcAft>
+                          <a:spcPts val="0"/>
+                        </a:spcAft>
+                        <a:buClrTx/>
+                        <a:buSzTx/>
+                        <a:buFontTx/>
+                        <a:buNone/>
+                        <a:tabLst/>
+                        <a:defRPr/>
+                      </a:pPr>
+                      <a:r>
+                        <a:rPr lang="es-CO" sz="1000" dirty="0"/>
+                        <a:t>El controlador PID</a:t>
+                      </a:r>
+                    </a:p>
+                  </a:txBody>
+                  <a:tcPr>
+                    <a:lnL w="12700" cap="flat" cmpd="sng" algn="ctr">
+                      <a:solidFill>
+                        <a:schemeClr val="tx1"/>
+                      </a:solidFill>
+                      <a:prstDash val="solid"/>
+                      <a:round/>
+                      <a:headEnd type="none" w="med" len="med"/>
+                      <a:tailEnd type="none" w="med" len="med"/>
+                    </a:lnL>
+                    <a:lnR w="12700" cap="flat" cmpd="sng" algn="ctr">
+                      <a:solidFill>
+                        <a:schemeClr val="tx1"/>
+                      </a:solidFill>
+                      <a:prstDash val="solid"/>
+                      <a:round/>
+                      <a:headEnd type="none" w="med" len="med"/>
+                      <a:tailEnd type="none" w="med" len="med"/>
+                    </a:lnR>
+                    <a:lnT w="12700" cap="flat" cmpd="sng" algn="ctr">
+                      <a:solidFill>
+                        <a:schemeClr val="tx1"/>
+                      </a:solidFill>
+                      <a:prstDash val="solid"/>
+                      <a:round/>
+                      <a:headEnd type="none" w="med" len="med"/>
+                      <a:tailEnd type="none" w="med" len="med"/>
+                    </a:lnT>
+                    <a:lnB w="12700" cap="flat" cmpd="sng" algn="ctr">
+                      <a:solidFill>
+                        <a:schemeClr val="tx1"/>
+                      </a:solidFill>
+                      <a:prstDash val="solid"/>
+                      <a:round/>
+                      <a:headEnd type="none" w="med" len="med"/>
+                      <a:tailEnd type="none" w="med" len="med"/>
+                    </a:lnB>
+                  </a:tcPr>
+                </a:tc>
+                <a:extLst>
+                  <a:ext uri="{0D108BD9-81ED-4DB2-BD59-A6C34878D82A}">
                     <a16:rowId xmlns:a16="http://schemas.microsoft.com/office/drawing/2014/main" val="3127511249"/>
                   </a:ext>
                 </a:extLst>
@@ -11171,7 +10997,204 @@
                             <a:schemeClr val="tx1"/>
                           </a:solidFill>
                         </a:rPr>
-                        <a:t>28 octubre – 1 noviembre</a:t>
+                        <a:t>5 mayo – 9 mayo</a:t>
+                      </a:r>
+                    </a:p>
+                  </a:txBody>
+                  <a:tcPr>
+                    <a:lnL w="12700" cap="flat" cmpd="sng" algn="ctr">
+                      <a:solidFill>
+                        <a:schemeClr val="tx1"/>
+                      </a:solidFill>
+                      <a:prstDash val="solid"/>
+                      <a:round/>
+                      <a:headEnd type="none" w="med" len="med"/>
+                      <a:tailEnd type="none" w="med" len="med"/>
+                    </a:lnL>
+                    <a:lnR w="12700" cap="flat" cmpd="sng" algn="ctr">
+                      <a:solidFill>
+                        <a:schemeClr val="tx1"/>
+                      </a:solidFill>
+                      <a:prstDash val="solid"/>
+                      <a:round/>
+                      <a:headEnd type="none" w="med" len="med"/>
+                      <a:tailEnd type="none" w="med" len="med"/>
+                    </a:lnR>
+                    <a:lnT w="12700" cap="flat" cmpd="sng" algn="ctr">
+                      <a:solidFill>
+                        <a:schemeClr val="tx1"/>
+                      </a:solidFill>
+                      <a:prstDash val="solid"/>
+                      <a:round/>
+                      <a:headEnd type="none" w="med" len="med"/>
+                      <a:tailEnd type="none" w="med" len="med"/>
+                    </a:lnT>
+                    <a:lnB w="12700" cap="flat" cmpd="sng" algn="ctr">
+                      <a:solidFill>
+                        <a:schemeClr val="tx1"/>
+                      </a:solidFill>
+                      <a:prstDash val="solid"/>
+                      <a:round/>
+                      <a:headEnd type="none" w="med" len="med"/>
+                      <a:tailEnd type="none" w="med" len="med"/>
+                    </a:lnB>
+                  </a:tcPr>
+                </a:tc>
+                <a:tc>
+                  <a:txBody>
+                    <a:bodyPr/>
+                    <a:lstStyle/>
+                    <a:p>
+                      <a:pPr marL="0" marR="0" lvl="0" indent="0" algn="ctr" defTabSz="685800" rtl="0" eaLnBrk="1" fontAlgn="auto" latinLnBrk="0" hangingPunct="1">
+                        <a:lnSpc>
+                          <a:spcPct val="100000"/>
+                        </a:lnSpc>
+                        <a:spcBef>
+                          <a:spcPts val="0"/>
+                        </a:spcBef>
+                        <a:spcAft>
+                          <a:spcPts val="0"/>
+                        </a:spcAft>
+                        <a:buClrTx/>
+                        <a:buSzTx/>
+                        <a:buFontTx/>
+                        <a:buNone/>
+                        <a:tabLst/>
+                        <a:defRPr/>
+                      </a:pPr>
+                      <a:r>
+                        <a:rPr lang="es-CO" sz="1000" dirty="0"/>
+                        <a:t>Diseño basado en LGR</a:t>
+                      </a:r>
+                    </a:p>
+                  </a:txBody>
+                  <a:tcPr>
+                    <a:lnL w="12700" cap="flat" cmpd="sng" algn="ctr">
+                      <a:solidFill>
+                        <a:schemeClr val="tx1"/>
+                      </a:solidFill>
+                      <a:prstDash val="solid"/>
+                      <a:round/>
+                      <a:headEnd type="none" w="med" len="med"/>
+                      <a:tailEnd type="none" w="med" len="med"/>
+                    </a:lnL>
+                    <a:lnR w="12700" cap="flat" cmpd="sng" algn="ctr">
+                      <a:solidFill>
+                        <a:schemeClr val="tx1"/>
+                      </a:solidFill>
+                      <a:prstDash val="solid"/>
+                      <a:round/>
+                      <a:headEnd type="none" w="med" len="med"/>
+                      <a:tailEnd type="none" w="med" len="med"/>
+                    </a:lnR>
+                    <a:lnT w="12700" cap="flat" cmpd="sng" algn="ctr">
+                      <a:solidFill>
+                        <a:schemeClr val="tx1"/>
+                      </a:solidFill>
+                      <a:prstDash val="solid"/>
+                      <a:round/>
+                      <a:headEnd type="none" w="med" len="med"/>
+                      <a:tailEnd type="none" w="med" len="med"/>
+                    </a:lnT>
+                    <a:lnB w="12700" cap="flat" cmpd="sng" algn="ctr">
+                      <a:solidFill>
+                        <a:schemeClr val="tx1"/>
+                      </a:solidFill>
+                      <a:prstDash val="solid"/>
+                      <a:round/>
+                      <a:headEnd type="none" w="med" len="med"/>
+                      <a:tailEnd type="none" w="med" len="med"/>
+                    </a:lnB>
+                  </a:tcPr>
+                </a:tc>
+                <a:extLst>
+                  <a:ext uri="{0D108BD9-81ED-4DB2-BD59-A6C34878D82A}">
+                    <a16:rowId xmlns:a16="http://schemas.microsoft.com/office/drawing/2014/main" val="1978658262"/>
+                  </a:ext>
+                </a:extLst>
+              </a:tr>
+              <a:tr h="269131">
+                <a:tc>
+                  <a:txBody>
+                    <a:bodyPr/>
+                    <a:lstStyle/>
+                    <a:p>
+                      <a:pPr algn="ctr"/>
+                      <a:r>
+                        <a:rPr lang="es-ES" sz="1000" dirty="0"/>
+                        <a:t>15</a:t>
+                      </a:r>
+                      <a:endParaRPr lang="es-CO" sz="1000" dirty="0"/>
+                    </a:p>
+                  </a:txBody>
+                  <a:tcPr>
+                    <a:lnL w="12700" cap="flat" cmpd="sng" algn="ctr">
+                      <a:solidFill>
+                        <a:schemeClr val="tx1"/>
+                      </a:solidFill>
+                      <a:prstDash val="solid"/>
+                      <a:round/>
+                      <a:headEnd type="none" w="med" len="med"/>
+                      <a:tailEnd type="none" w="med" len="med"/>
+                    </a:lnL>
+                    <a:lnR w="12700" cap="flat" cmpd="sng" algn="ctr">
+                      <a:solidFill>
+                        <a:schemeClr val="tx1"/>
+                      </a:solidFill>
+                      <a:prstDash val="solid"/>
+                      <a:round/>
+                      <a:headEnd type="none" w="med" len="med"/>
+                      <a:tailEnd type="none" w="med" len="med"/>
+                    </a:lnR>
+                    <a:lnT w="12700" cap="flat" cmpd="sng" algn="ctr">
+                      <a:solidFill>
+                        <a:schemeClr val="tx1"/>
+                      </a:solidFill>
+                      <a:prstDash val="solid"/>
+                      <a:round/>
+                      <a:headEnd type="none" w="med" len="med"/>
+                      <a:tailEnd type="none" w="med" len="med"/>
+                    </a:lnT>
+                    <a:lnB w="12700" cap="flat" cmpd="sng" algn="ctr">
+                      <a:solidFill>
+                        <a:schemeClr val="tx1"/>
+                      </a:solidFill>
+                      <a:prstDash val="solid"/>
+                      <a:round/>
+                      <a:headEnd type="none" w="med" len="med"/>
+                      <a:tailEnd type="none" w="med" len="med"/>
+                    </a:lnB>
+                  </a:tcPr>
+                </a:tc>
+                <a:tc>
+                  <a:txBody>
+                    <a:bodyPr/>
+                    <a:lstStyle/>
+                    <a:p>
+                      <a:pPr marL="0" marR="0" lvl="0" indent="0" algn="ctr" defTabSz="914400" rtl="0" eaLnBrk="1" fontAlgn="auto" latinLnBrk="0" hangingPunct="1">
+                        <a:lnSpc>
+                          <a:spcPct val="100000"/>
+                        </a:lnSpc>
+                        <a:spcBef>
+                          <a:spcPts val="0"/>
+                        </a:spcBef>
+                        <a:spcAft>
+                          <a:spcPts val="0"/>
+                        </a:spcAft>
+                        <a:buClrTx/>
+                        <a:buSzTx/>
+                        <a:buFontTx/>
+                        <a:buNone/>
+                        <a:tabLst/>
+                        <a:defRPr/>
+                      </a:pPr>
+                      <a:r>
+                        <a:rPr lang="es-CO" sz="1000" dirty="0">
+                          <a:solidFill>
+                            <a:schemeClr val="tx1"/>
+                          </a:solidFill>
+                        </a:rPr>
+                        <a:t>12 mayo – 16 mayo</a:t>
                       </a:r>
                     </a:p>
                   </a:txBody>
@@ -11283,187 +11306,6 @@
                 </a:tc>
                 <a:extLst>
                   <a:ext uri="{0D108BD9-81ED-4DB2-BD59-A6C34878D82A}">
-                    <a16:rowId xmlns:a16="http://schemas.microsoft.com/office/drawing/2014/main" val="1978658262"/>
-                  </a:ext>
-                </a:extLst>
-              </a:tr>
-              <a:tr h="269131">
-                <a:tc>
-                  <a:txBody>
-                    <a:bodyPr/>
-                    <a:lstStyle/>
-                    <a:p>
-                      <a:pPr algn="ctr"/>
-                      <a:r>
-                        <a:rPr lang="es-ES" sz="1000" dirty="0"/>
-                        <a:t>15</a:t>
-                      </a:r>
-                      <a:endParaRPr lang="es-CO" sz="1000" dirty="0"/>
-                    </a:p>
-                  </a:txBody>
-                  <a:tcPr>
-                    <a:lnL w="12700" cap="flat" cmpd="sng" algn="ctr">
-                      <a:solidFill>
-                        <a:schemeClr val="tx1"/>
-                      </a:solidFill>
-                      <a:prstDash val="solid"/>
-                      <a:round/>
-                      <a:headEnd type="none" w="med" len="med"/>
-                      <a:tailEnd type="none" w="med" len="med"/>
-                    </a:lnL>
-                    <a:lnR w="12700" cap="flat" cmpd="sng" algn="ctr">
-                      <a:solidFill>
-                        <a:schemeClr val="tx1"/>
-                      </a:solidFill>
-                      <a:prstDash val="solid"/>
-                      <a:round/>
-                      <a:headEnd type="none" w="med" len="med"/>
-                      <a:tailEnd type="none" w="med" len="med"/>
-                    </a:lnR>
-                    <a:lnT w="12700" cap="flat" cmpd="sng" algn="ctr">
-                      <a:solidFill>
-                        <a:schemeClr val="tx1"/>
-                      </a:solidFill>
-                      <a:prstDash val="solid"/>
-                      <a:round/>
-                      <a:headEnd type="none" w="med" len="med"/>
-                      <a:tailEnd type="none" w="med" len="med"/>
-                    </a:lnT>
-                    <a:lnB w="12700" cap="flat" cmpd="sng" algn="ctr">
-                      <a:solidFill>
-                        <a:schemeClr val="tx1"/>
-                      </a:solidFill>
-                      <a:prstDash val="solid"/>
-                      <a:round/>
-                      <a:headEnd type="none" w="med" len="med"/>
-                      <a:tailEnd type="none" w="med" len="med"/>
-                    </a:lnB>
-                  </a:tcPr>
-                </a:tc>
-                <a:tc>
-                  <a:txBody>
-                    <a:bodyPr/>
-                    <a:lstStyle/>
-                    <a:p>
-                      <a:pPr marL="0" marR="0" lvl="0" indent="0" algn="ctr" defTabSz="914400" rtl="0" eaLnBrk="1" fontAlgn="auto" latinLnBrk="0" hangingPunct="1">
-                        <a:lnSpc>
-                          <a:spcPct val="100000"/>
-                        </a:lnSpc>
-                        <a:spcBef>
-                          <a:spcPts val="0"/>
-                        </a:spcBef>
-                        <a:spcAft>
-                          <a:spcPts val="0"/>
-                        </a:spcAft>
-                        <a:buClrTx/>
-                        <a:buSzTx/>
-                        <a:buFontTx/>
-                        <a:buNone/>
-                        <a:tabLst/>
-                        <a:defRPr/>
-                      </a:pPr>
-                      <a:r>
-                        <a:rPr lang="es-CO" sz="1000" dirty="0">
-                          <a:solidFill>
-                            <a:schemeClr val="tx1"/>
-                          </a:solidFill>
-                        </a:rPr>
-                        <a:t>4 noviembre – 11 noviembre</a:t>
-                      </a:r>
-                    </a:p>
-                  </a:txBody>
-                  <a:tcPr>
-                    <a:lnL w="12700" cap="flat" cmpd="sng" algn="ctr">
-                      <a:solidFill>
-                        <a:schemeClr val="tx1"/>
-                      </a:solidFill>
-                      <a:prstDash val="solid"/>
-                      <a:round/>
-                      <a:headEnd type="none" w="med" len="med"/>
-                      <a:tailEnd type="none" w="med" len="med"/>
-                    </a:lnL>
-                    <a:lnR w="12700" cap="flat" cmpd="sng" algn="ctr">
-                      <a:solidFill>
-                        <a:schemeClr val="tx1"/>
-                      </a:solidFill>
-                      <a:prstDash val="solid"/>
-                      <a:round/>
-                      <a:headEnd type="none" w="med" len="med"/>
-                      <a:tailEnd type="none" w="med" len="med"/>
-                    </a:lnR>
-                    <a:lnT w="12700" cap="flat" cmpd="sng" algn="ctr">
-                      <a:solidFill>
-                        <a:schemeClr val="tx1"/>
-                      </a:solidFill>
-                      <a:prstDash val="solid"/>
-                      <a:round/>
-                      <a:headEnd type="none" w="med" len="med"/>
-                      <a:tailEnd type="none" w="med" len="med"/>
-                    </a:lnT>
-                    <a:lnB w="12700" cap="flat" cmpd="sng" algn="ctr">
-                      <a:solidFill>
-                        <a:schemeClr val="tx1"/>
-                      </a:solidFill>
-                      <a:prstDash val="solid"/>
-                      <a:round/>
-                      <a:headEnd type="none" w="med" len="med"/>
-                      <a:tailEnd type="none" w="med" len="med"/>
-                    </a:lnB>
-                  </a:tcPr>
-                </a:tc>
-                <a:tc>
-                  <a:txBody>
-                    <a:bodyPr/>
-                    <a:lstStyle/>
-                    <a:p>
-                      <a:pPr algn="ctr"/>
-                      <a:r>
-                        <a:rPr lang="es-CO" sz="1000" dirty="0"/>
-                        <a:t>-</a:t>
-                      </a:r>
-                    </a:p>
-                  </a:txBody>
-                  <a:tcPr>
-                    <a:lnL w="12700" cap="flat" cmpd="sng" algn="ctr">
-                      <a:solidFill>
-                        <a:schemeClr val="tx1"/>
-                      </a:solidFill>
-                      <a:prstDash val="solid"/>
-                      <a:round/>
-                      <a:headEnd type="none" w="med" len="med"/>
-                      <a:tailEnd type="none" w="med" len="med"/>
-                    </a:lnL>
-                    <a:lnR w="12700" cap="flat" cmpd="sng" algn="ctr">
-                      <a:solidFill>
-                        <a:schemeClr val="tx1"/>
-                      </a:solidFill>
-                      <a:prstDash val="solid"/>
-                      <a:round/>
-                      <a:headEnd type="none" w="med" len="med"/>
-                      <a:tailEnd type="none" w="med" len="med"/>
-                    </a:lnR>
-                    <a:lnT w="12700" cap="flat" cmpd="sng" algn="ctr">
-                      <a:solidFill>
-                        <a:schemeClr val="tx1"/>
-                      </a:solidFill>
-                      <a:prstDash val="solid"/>
-                      <a:round/>
-                      <a:headEnd type="none" w="med" len="med"/>
-                      <a:tailEnd type="none" w="med" len="med"/>
-                    </a:lnT>
-                    <a:lnB w="12700" cap="flat" cmpd="sng" algn="ctr">
-                      <a:solidFill>
-                        <a:schemeClr val="tx1"/>
-                      </a:solidFill>
-                      <a:prstDash val="solid"/>
-                      <a:round/>
-                      <a:headEnd type="none" w="med" len="med"/>
-                      <a:tailEnd type="none" w="med" len="med"/>
-                    </a:lnB>
-                  </a:tcPr>
-                </a:tc>
-                <a:extLst>
-                  <a:ext uri="{0D108BD9-81ED-4DB2-BD59-A6C34878D82A}">
                     <a16:rowId xmlns:a16="http://schemas.microsoft.com/office/drawing/2014/main" val="1088546271"/>
                   </a:ext>
                 </a:extLst>
@@ -11533,357 +11375,7 @@
                             <a:schemeClr val="tx1"/>
                           </a:solidFill>
                         </a:rPr>
-                        <a:t>11 noviembre – 15 noviembre </a:t>
-                      </a:r>
-                    </a:p>
-                  </a:txBody>
-                  <a:tcPr>
-                    <a:lnL w="12700" cap="flat" cmpd="sng" algn="ctr">
-                      <a:solidFill>
-                        <a:schemeClr val="tx1"/>
-                      </a:solidFill>
-                      <a:prstDash val="solid"/>
-                      <a:round/>
-                      <a:headEnd type="none" w="med" len="med"/>
-                      <a:tailEnd type="none" w="med" len="med"/>
-                    </a:lnL>
-                    <a:lnR w="12700" cap="flat" cmpd="sng" algn="ctr">
-                      <a:solidFill>
-                        <a:schemeClr val="tx1"/>
-                      </a:solidFill>
-                      <a:prstDash val="solid"/>
-                      <a:round/>
-                      <a:headEnd type="none" w="med" len="med"/>
-                      <a:tailEnd type="none" w="med" len="med"/>
-                    </a:lnR>
-                    <a:lnT w="12700" cap="flat" cmpd="sng" algn="ctr">
-                      <a:solidFill>
-                        <a:schemeClr val="tx1"/>
-                      </a:solidFill>
-                      <a:prstDash val="solid"/>
-                      <a:round/>
-                      <a:headEnd type="none" w="med" len="med"/>
-                      <a:tailEnd type="none" w="med" len="med"/>
-                    </a:lnT>
-                    <a:lnB w="12700" cap="flat" cmpd="sng" algn="ctr">
-                      <a:solidFill>
-                        <a:schemeClr val="tx1"/>
-                      </a:solidFill>
-                      <a:prstDash val="solid"/>
-                      <a:round/>
-                      <a:headEnd type="none" w="med" len="med"/>
-                      <a:tailEnd type="none" w="med" len="med"/>
-                    </a:lnB>
-                  </a:tcPr>
-                </a:tc>
-                <a:tc>
-                  <a:txBody>
-                    <a:bodyPr/>
-                    <a:lstStyle/>
-                    <a:p>
-                      <a:pPr marL="0" marR="0" lvl="0" indent="0" algn="ctr" defTabSz="685800" rtl="0" eaLnBrk="1" fontAlgn="auto" latinLnBrk="0" hangingPunct="1">
-                        <a:lnSpc>
-                          <a:spcPct val="100000"/>
-                        </a:lnSpc>
-                        <a:spcBef>
-                          <a:spcPts val="0"/>
-                        </a:spcBef>
-                        <a:spcAft>
-                          <a:spcPts val="0"/>
-                        </a:spcAft>
-                        <a:buClrTx/>
-                        <a:buSzTx/>
-                        <a:buFontTx/>
-                        <a:buNone/>
-                        <a:tabLst/>
-                        <a:defRPr/>
-                      </a:pPr>
-                      <a:r>
-                        <a:rPr lang="es-CO" sz="1000" b="1" u="sng" dirty="0">
-                          <a:solidFill>
-                            <a:srgbClr val="C00000"/>
-                          </a:solidFill>
-                        </a:rPr>
-                        <a:t>-</a:t>
-                      </a:r>
-                    </a:p>
-                  </a:txBody>
-                  <a:tcPr>
-                    <a:lnL w="12700" cap="flat" cmpd="sng" algn="ctr">
-                      <a:solidFill>
-                        <a:schemeClr val="tx1"/>
-                      </a:solidFill>
-                      <a:prstDash val="solid"/>
-                      <a:round/>
-                      <a:headEnd type="none" w="med" len="med"/>
-                      <a:tailEnd type="none" w="med" len="med"/>
-                    </a:lnL>
-                    <a:lnR w="12700" cap="flat" cmpd="sng" algn="ctr">
-                      <a:solidFill>
-                        <a:schemeClr val="tx1"/>
-                      </a:solidFill>
-                      <a:prstDash val="solid"/>
-                      <a:round/>
-                      <a:headEnd type="none" w="med" len="med"/>
-                      <a:tailEnd type="none" w="med" len="med"/>
-                    </a:lnR>
-                    <a:lnT w="12700" cap="flat" cmpd="sng" algn="ctr">
-                      <a:solidFill>
-                        <a:schemeClr val="tx1"/>
-                      </a:solidFill>
-                      <a:prstDash val="solid"/>
-                      <a:round/>
-                      <a:headEnd type="none" w="med" len="med"/>
-                      <a:tailEnd type="none" w="med" len="med"/>
-                    </a:lnT>
-                    <a:lnB w="12700" cap="flat" cmpd="sng" algn="ctr">
-                      <a:solidFill>
-                        <a:schemeClr val="tx1"/>
-                      </a:solidFill>
-                      <a:prstDash val="solid"/>
-                      <a:round/>
-                      <a:headEnd type="none" w="med" len="med"/>
-                      <a:tailEnd type="none" w="med" len="med"/>
-                    </a:lnB>
-                  </a:tcPr>
-                </a:tc>
-                <a:extLst>
-                  <a:ext uri="{0D108BD9-81ED-4DB2-BD59-A6C34878D82A}">
-                    <a16:rowId xmlns:a16="http://schemas.microsoft.com/office/drawing/2014/main" val="2357030376"/>
-                  </a:ext>
-                </a:extLst>
-              </a:tr>
-              <a:tr h="269131">
-                <a:tc>
-                  <a:txBody>
-                    <a:bodyPr/>
-                    <a:lstStyle/>
-                    <a:p>
-                      <a:pPr algn="ctr"/>
-                      <a:r>
-                        <a:rPr lang="es-ES" sz="1000" dirty="0"/>
-                        <a:t>17</a:t>
-                      </a:r>
-                      <a:endParaRPr lang="es-CO" sz="1000" dirty="0"/>
-                    </a:p>
-                  </a:txBody>
-                  <a:tcPr>
-                    <a:lnL w="12700" cap="flat" cmpd="sng" algn="ctr">
-                      <a:solidFill>
-                        <a:schemeClr val="tx1"/>
-                      </a:solidFill>
-                      <a:prstDash val="solid"/>
-                      <a:round/>
-                      <a:headEnd type="none" w="med" len="med"/>
-                      <a:tailEnd type="none" w="med" len="med"/>
-                    </a:lnL>
-                    <a:lnR w="12700" cap="flat" cmpd="sng" algn="ctr">
-                      <a:solidFill>
-                        <a:schemeClr val="tx1"/>
-                      </a:solidFill>
-                      <a:prstDash val="solid"/>
-                      <a:round/>
-                      <a:headEnd type="none" w="med" len="med"/>
-                      <a:tailEnd type="none" w="med" len="med"/>
-                    </a:lnR>
-                    <a:lnT w="12700" cap="flat" cmpd="sng" algn="ctr">
-                      <a:solidFill>
-                        <a:schemeClr val="tx1"/>
-                      </a:solidFill>
-                      <a:prstDash val="solid"/>
-                      <a:round/>
-                      <a:headEnd type="none" w="med" len="med"/>
-                      <a:tailEnd type="none" w="med" len="med"/>
-                    </a:lnT>
-                    <a:lnB w="12700" cap="flat" cmpd="sng" algn="ctr">
-                      <a:solidFill>
-                        <a:schemeClr val="tx1"/>
-                      </a:solidFill>
-                      <a:prstDash val="solid"/>
-                      <a:round/>
-                      <a:headEnd type="none" w="med" len="med"/>
-                      <a:tailEnd type="none" w="med" len="med"/>
-                    </a:lnB>
-                  </a:tcPr>
-                </a:tc>
-                <a:tc>
-                  <a:txBody>
-                    <a:bodyPr/>
-                    <a:lstStyle/>
-                    <a:p>
-                      <a:pPr algn="ctr"/>
-                      <a:r>
-                        <a:rPr lang="es-CO" sz="1000" dirty="0">
-                          <a:solidFill>
-                            <a:schemeClr val="tx1"/>
-                          </a:solidFill>
-                        </a:rPr>
-                        <a:t>18 noviembre – 22 noviembre</a:t>
-                      </a:r>
-                    </a:p>
-                  </a:txBody>
-                  <a:tcPr>
-                    <a:lnL w="12700" cap="flat" cmpd="sng" algn="ctr">
-                      <a:solidFill>
-                        <a:schemeClr val="tx1"/>
-                      </a:solidFill>
-                      <a:prstDash val="solid"/>
-                      <a:round/>
-                      <a:headEnd type="none" w="med" len="med"/>
-                      <a:tailEnd type="none" w="med" len="med"/>
-                    </a:lnL>
-                    <a:lnR w="12700" cap="flat" cmpd="sng" algn="ctr">
-                      <a:solidFill>
-                        <a:schemeClr val="tx1"/>
-                      </a:solidFill>
-                      <a:prstDash val="solid"/>
-                      <a:round/>
-                      <a:headEnd type="none" w="med" len="med"/>
-                      <a:tailEnd type="none" w="med" len="med"/>
-                    </a:lnR>
-                    <a:lnT w="12700" cap="flat" cmpd="sng" algn="ctr">
-                      <a:solidFill>
-                        <a:schemeClr val="tx1"/>
-                      </a:solidFill>
-                      <a:prstDash val="solid"/>
-                      <a:round/>
-                      <a:headEnd type="none" w="med" len="med"/>
-                      <a:tailEnd type="none" w="med" len="med"/>
-                    </a:lnT>
-                    <a:lnB w="12700" cap="flat" cmpd="sng" algn="ctr">
-                      <a:solidFill>
-                        <a:schemeClr val="tx1"/>
-                      </a:solidFill>
-                      <a:prstDash val="solid"/>
-                      <a:round/>
-                      <a:headEnd type="none" w="med" len="med"/>
-                      <a:tailEnd type="none" w="med" len="med"/>
-                    </a:lnB>
-                  </a:tcPr>
-                </a:tc>
-                <a:tc>
-                  <a:txBody>
-                    <a:bodyPr/>
-                    <a:lstStyle/>
-                    <a:p>
-                      <a:pPr algn="ctr"/>
-                      <a:endParaRPr lang="es-CO" sz="1000" b="1" u="sng" dirty="0">
-                        <a:solidFill>
-                          <a:srgbClr val="C00000"/>
-                        </a:solidFill>
-                      </a:endParaRPr>
-                    </a:p>
-                  </a:txBody>
-                  <a:tcPr>
-                    <a:lnL w="12700" cap="flat" cmpd="sng" algn="ctr">
-                      <a:solidFill>
-                        <a:schemeClr val="tx1"/>
-                      </a:solidFill>
-                      <a:prstDash val="solid"/>
-                      <a:round/>
-                      <a:headEnd type="none" w="med" len="med"/>
-                      <a:tailEnd type="none" w="med" len="med"/>
-                    </a:lnL>
-                    <a:lnR w="12700" cap="flat" cmpd="sng" algn="ctr">
-                      <a:solidFill>
-                        <a:schemeClr val="tx1"/>
-                      </a:solidFill>
-                      <a:prstDash val="solid"/>
-                      <a:round/>
-                      <a:headEnd type="none" w="med" len="med"/>
-                      <a:tailEnd type="none" w="med" len="med"/>
-                    </a:lnR>
-                    <a:lnT w="12700" cap="flat" cmpd="sng" algn="ctr">
-                      <a:solidFill>
-                        <a:schemeClr val="tx1"/>
-                      </a:solidFill>
-                      <a:prstDash val="solid"/>
-                      <a:round/>
-                      <a:headEnd type="none" w="med" len="med"/>
-                      <a:tailEnd type="none" w="med" len="med"/>
-                    </a:lnT>
-                    <a:lnB w="12700" cap="flat" cmpd="sng" algn="ctr">
-                      <a:solidFill>
-                        <a:schemeClr val="tx1"/>
-                      </a:solidFill>
-                      <a:prstDash val="solid"/>
-                      <a:round/>
-                      <a:headEnd type="none" w="med" len="med"/>
-                      <a:tailEnd type="none" w="med" len="med"/>
-                    </a:lnB>
-                  </a:tcPr>
-                </a:tc>
-                <a:extLst>
-                  <a:ext uri="{0D108BD9-81ED-4DB2-BD59-A6C34878D82A}">
-                    <a16:rowId xmlns:a16="http://schemas.microsoft.com/office/drawing/2014/main" val="4092288061"/>
-                  </a:ext>
-                </a:extLst>
-              </a:tr>
-              <a:tr h="269131">
-                <a:tc>
-                  <a:txBody>
-                    <a:bodyPr/>
-                    <a:lstStyle/>
-                    <a:p>
-                      <a:pPr algn="ctr"/>
-                      <a:r>
-                        <a:rPr lang="es-CO" sz="1000" dirty="0"/>
-                        <a:t>18</a:t>
-                      </a:r>
-                    </a:p>
-                  </a:txBody>
-                  <a:tcPr>
-                    <a:lnL w="12700" cap="flat" cmpd="sng" algn="ctr">
-                      <a:solidFill>
-                        <a:schemeClr val="tx1"/>
-                      </a:solidFill>
-                      <a:prstDash val="solid"/>
-                      <a:round/>
-                      <a:headEnd type="none" w="med" len="med"/>
-                      <a:tailEnd type="none" w="med" len="med"/>
-                    </a:lnL>
-                    <a:lnR w="12700" cap="flat" cmpd="sng" algn="ctr">
-                      <a:solidFill>
-                        <a:schemeClr val="tx1"/>
-                      </a:solidFill>
-                      <a:prstDash val="solid"/>
-                      <a:round/>
-                      <a:headEnd type="none" w="med" len="med"/>
-                      <a:tailEnd type="none" w="med" len="med"/>
-                    </a:lnR>
-                    <a:lnT w="12700" cap="flat" cmpd="sng" algn="ctr">
-                      <a:solidFill>
-                        <a:schemeClr val="tx1"/>
-                      </a:solidFill>
-                      <a:prstDash val="solid"/>
-                      <a:round/>
-                      <a:headEnd type="none" w="med" len="med"/>
-                      <a:tailEnd type="none" w="med" len="med"/>
-                    </a:lnT>
-                    <a:lnB w="12700" cap="flat" cmpd="sng" algn="ctr">
-                      <a:solidFill>
-                        <a:schemeClr val="tx1"/>
-                      </a:solidFill>
-                      <a:prstDash val="solid"/>
-                      <a:round/>
-                      <a:headEnd type="none" w="med" len="med"/>
-                      <a:tailEnd type="none" w="med" len="med"/>
-                    </a:lnB>
-                  </a:tcPr>
-                </a:tc>
-                <a:tc>
-                  <a:txBody>
-                    <a:bodyPr/>
-                    <a:lstStyle/>
-                    <a:p>
-                      <a:pPr algn="ctr"/>
-                      <a:r>
-                        <a:rPr lang="es-CO" sz="1000" dirty="0">
-                          <a:solidFill>
-                            <a:schemeClr val="tx1"/>
-                          </a:solidFill>
-                        </a:rPr>
-                        <a:t>25 noviembre – 29 noviembre</a:t>
+                        <a:t>19 mayo – 23 mayo</a:t>
                       </a:r>
                     </a:p>
                   </a:txBody>
@@ -11996,7 +11488,7 @@
                 </a:tc>
                 <a:extLst>
                   <a:ext uri="{0D108BD9-81ED-4DB2-BD59-A6C34878D82A}">
-                    <a16:rowId xmlns:a16="http://schemas.microsoft.com/office/drawing/2014/main" val="747768826"/>
+                    <a16:rowId xmlns:a16="http://schemas.microsoft.com/office/drawing/2014/main" val="2357030376"/>
                   </a:ext>
                 </a:extLst>
               </a:tr>
@@ -12008,9 +11500,10 @@
                     <a:p>
                       <a:pPr algn="ctr"/>
                       <a:r>
-                        <a:rPr lang="es-CO" sz="1000" dirty="0"/>
-                        <a:t>19</a:t>
+                        <a:rPr lang="es-ES" sz="1000" dirty="0"/>
+                        <a:t>17</a:t>
                       </a:r>
+                      <a:endParaRPr lang="es-CO" sz="1000" dirty="0"/>
                     </a:p>
                   </a:txBody>
                   <a:tcPr>
@@ -12064,7 +11557,175 @@
                             <a:schemeClr val="tx1"/>
                           </a:solidFill>
                         </a:rPr>
-                        <a:t>3 diciembre – 7 diciembre</a:t>
+                        <a:t>26 mayo – 30 mayo</a:t>
+                      </a:r>
+                    </a:p>
+                  </a:txBody>
+                  <a:tcPr>
+                    <a:lnL w="12700" cap="flat" cmpd="sng" algn="ctr">
+                      <a:solidFill>
+                        <a:schemeClr val="tx1"/>
+                      </a:solidFill>
+                      <a:prstDash val="solid"/>
+                      <a:round/>
+                      <a:headEnd type="none" w="med" len="med"/>
+                      <a:tailEnd type="none" w="med" len="med"/>
+                    </a:lnL>
+                    <a:lnR w="12700" cap="flat" cmpd="sng" algn="ctr">
+                      <a:solidFill>
+                        <a:schemeClr val="tx1"/>
+                      </a:solidFill>
+                      <a:prstDash val="solid"/>
+                      <a:round/>
+                      <a:headEnd type="none" w="med" len="med"/>
+                      <a:tailEnd type="none" w="med" len="med"/>
+                    </a:lnR>
+                    <a:lnT w="12700" cap="flat" cmpd="sng" algn="ctr">
+                      <a:solidFill>
+                        <a:schemeClr val="tx1"/>
+                      </a:solidFill>
+                      <a:prstDash val="solid"/>
+                      <a:round/>
+                      <a:headEnd type="none" w="med" len="med"/>
+                      <a:tailEnd type="none" w="med" len="med"/>
+                    </a:lnT>
+                    <a:lnB w="12700" cap="flat" cmpd="sng" algn="ctr">
+                      <a:solidFill>
+                        <a:schemeClr val="tx1"/>
+                      </a:solidFill>
+                      <a:prstDash val="solid"/>
+                      <a:round/>
+                      <a:headEnd type="none" w="med" len="med"/>
+                      <a:tailEnd type="none" w="med" len="med"/>
+                    </a:lnB>
+                  </a:tcPr>
+                </a:tc>
+                <a:tc>
+                  <a:txBody>
+                    <a:bodyPr/>
+                    <a:lstStyle/>
+                    <a:p>
+                      <a:pPr algn="ctr"/>
+                      <a:endParaRPr lang="es-CO" sz="1000" b="1" u="sng" dirty="0">
+                        <a:solidFill>
+                          <a:srgbClr val="C00000"/>
+                        </a:solidFill>
+                      </a:endParaRPr>
+                    </a:p>
+                  </a:txBody>
+                  <a:tcPr>
+                    <a:lnL w="12700" cap="flat" cmpd="sng" algn="ctr">
+                      <a:solidFill>
+                        <a:schemeClr val="tx1"/>
+                      </a:solidFill>
+                      <a:prstDash val="solid"/>
+                      <a:round/>
+                      <a:headEnd type="none" w="med" len="med"/>
+                      <a:tailEnd type="none" w="med" len="med"/>
+                    </a:lnL>
+                    <a:lnR w="12700" cap="flat" cmpd="sng" algn="ctr">
+                      <a:solidFill>
+                        <a:schemeClr val="tx1"/>
+                      </a:solidFill>
+                      <a:prstDash val="solid"/>
+                      <a:round/>
+                      <a:headEnd type="none" w="med" len="med"/>
+                      <a:tailEnd type="none" w="med" len="med"/>
+                    </a:lnR>
+                    <a:lnT w="12700" cap="flat" cmpd="sng" algn="ctr">
+                      <a:solidFill>
+                        <a:schemeClr val="tx1"/>
+                      </a:solidFill>
+                      <a:prstDash val="solid"/>
+                      <a:round/>
+                      <a:headEnd type="none" w="med" len="med"/>
+                      <a:tailEnd type="none" w="med" len="med"/>
+                    </a:lnT>
+                    <a:lnB w="12700" cap="flat" cmpd="sng" algn="ctr">
+                      <a:solidFill>
+                        <a:schemeClr val="tx1"/>
+                      </a:solidFill>
+                      <a:prstDash val="solid"/>
+                      <a:round/>
+                      <a:headEnd type="none" w="med" len="med"/>
+                      <a:tailEnd type="none" w="med" len="med"/>
+                    </a:lnB>
+                  </a:tcPr>
+                </a:tc>
+                <a:extLst>
+                  <a:ext uri="{0D108BD9-81ED-4DB2-BD59-A6C34878D82A}">
+                    <a16:rowId xmlns:a16="http://schemas.microsoft.com/office/drawing/2014/main" val="4092288061"/>
+                  </a:ext>
+                </a:extLst>
+              </a:tr>
+              <a:tr h="269131">
+                <a:tc>
+                  <a:txBody>
+                    <a:bodyPr/>
+                    <a:lstStyle/>
+                    <a:p>
+                      <a:pPr algn="ctr"/>
+                      <a:r>
+                        <a:rPr lang="es-CO" sz="1000" dirty="0"/>
+                        <a:t>18</a:t>
+                      </a:r>
+                    </a:p>
+                  </a:txBody>
+                  <a:tcPr>
+                    <a:lnL w="12700" cap="flat" cmpd="sng" algn="ctr">
+                      <a:solidFill>
+                        <a:schemeClr val="tx1"/>
+                      </a:solidFill>
+                      <a:prstDash val="solid"/>
+                      <a:round/>
+                      <a:headEnd type="none" w="med" len="med"/>
+                      <a:tailEnd type="none" w="med" len="med"/>
+                    </a:lnL>
+                    <a:lnR w="12700" cap="flat" cmpd="sng" algn="ctr">
+                      <a:solidFill>
+                        <a:schemeClr val="tx1"/>
+                      </a:solidFill>
+                      <a:prstDash val="solid"/>
+                      <a:round/>
+                      <a:headEnd type="none" w="med" len="med"/>
+                      <a:tailEnd type="none" w="med" len="med"/>
+                    </a:lnR>
+                    <a:lnT w="12700" cap="flat" cmpd="sng" algn="ctr">
+                      <a:solidFill>
+                        <a:schemeClr val="tx1"/>
+                      </a:solidFill>
+                      <a:prstDash val="solid"/>
+                      <a:round/>
+                      <a:headEnd type="none" w="med" len="med"/>
+                      <a:tailEnd type="none" w="med" len="med"/>
+                    </a:lnT>
+                    <a:lnB w="12700" cap="flat" cmpd="sng" algn="ctr">
+                      <a:solidFill>
+                        <a:schemeClr val="tx1"/>
+                      </a:solidFill>
+                      <a:prstDash val="solid"/>
+                      <a:round/>
+                      <a:headEnd type="none" w="med" len="med"/>
+                      <a:tailEnd type="none" w="med" len="med"/>
+                    </a:lnB>
+                  </a:tcPr>
+                </a:tc>
+                <a:tc>
+                  <a:txBody>
+                    <a:bodyPr/>
+                    <a:lstStyle/>
+                    <a:p>
+                      <a:pPr algn="ctr"/>
+                      <a:r>
+                        <a:rPr lang="es-CO" sz="1000" dirty="0">
+                          <a:solidFill>
+                            <a:srgbClr val="FF0000"/>
+                          </a:solidFill>
+                          <a:highlight>
+                            <a:srgbClr val="FFFF00"/>
+                          </a:highlight>
+                        </a:rPr>
+                        <a:t>2 junio – 6 junio </a:t>
                       </a:r>
                     </a:p>
                   </a:txBody>
@@ -12180,7 +11841,7 @@
                 </a:tc>
                 <a:extLst>
                   <a:ext uri="{0D108BD9-81ED-4DB2-BD59-A6C34878D82A}">
-                    <a16:rowId xmlns:a16="http://schemas.microsoft.com/office/drawing/2014/main" val="4128284738"/>
+                    <a16:rowId xmlns:a16="http://schemas.microsoft.com/office/drawing/2014/main" val="747768826"/>
                   </a:ext>
                 </a:extLst>
               </a:tr>
@@ -12188,6 +11849,228 @@
           </a:graphicData>
         </a:graphic>
       </p:graphicFrame>
+      <p:sp>
+        <p:nvSpPr>
+          <p:cNvPr id="3" name="Rectángulo 9">
+            <a:extLst>
+              <a:ext uri="{FF2B5EF4-FFF2-40B4-BE49-F238E27FC236}">
+                <a16:creationId xmlns:a16="http://schemas.microsoft.com/office/drawing/2014/main" id="{35BBD13D-748C-1A84-FE8D-1DD18C63D484}"/>
+              </a:ext>
+            </a:extLst>
+          </p:cNvPr>
+          <p:cNvSpPr>
+            <a:spLocks noChangeArrowheads="1"/>
+          </p:cNvSpPr>
+          <p:nvPr/>
+        </p:nvSpPr>
+        <p:spPr bwMode="auto">
+          <a:xfrm>
+            <a:off x="4540642" y="6188199"/>
+            <a:ext cx="4010025" cy="523220"/>
+          </a:xfrm>
+          <a:prstGeom prst="rect">
+            <a:avLst/>
+          </a:prstGeom>
+          <a:noFill/>
+          <a:ln>
+            <a:noFill/>
+          </a:ln>
+          <a:extLst>
+            <a:ext uri="{909E8E84-426E-40DD-AFC4-6F175D3DCCD1}">
+              <a14:hiddenFill xmlns:a14="http://schemas.microsoft.com/office/drawing/2010/main">
+                <a:solidFill>
+                  <a:srgbClr val="FFFFFF"/>
+                </a:solidFill>
+              </a14:hiddenFill>
+            </a:ext>
+            <a:ext uri="{91240B29-F687-4F45-9708-019B960494DF}">
+              <a14:hiddenLine xmlns:a14="http://schemas.microsoft.com/office/drawing/2010/main" w="9525">
+                <a:solidFill>
+                  <a:srgbClr val="000000"/>
+                </a:solidFill>
+                <a:miter lim="800000"/>
+                <a:headEnd/>
+                <a:tailEnd/>
+              </a14:hiddenLine>
+            </a:ext>
+          </a:extLst>
+        </p:spPr>
+        <p:txBody>
+          <a:bodyPr>
+            <a:spAutoFit/>
+          </a:bodyPr>
+          <a:lstStyle>
+            <a:lvl1pPr>
+              <a:spcBef>
+                <a:spcPct val="20000"/>
+              </a:spcBef>
+              <a:buFont typeface="Arial" panose="020B0604020202020204" pitchFamily="34" charset="0"/>
+              <a:buChar char="•"/>
+              <a:defRPr sz="3200">
+                <a:solidFill>
+                  <a:schemeClr val="tx1"/>
+                </a:solidFill>
+                <a:latin typeface="Arial" panose="020B0604020202020204" pitchFamily="34" charset="0"/>
+                <a:cs typeface="Arial" panose="020B0604020202020204" pitchFamily="34" charset="0"/>
+              </a:defRPr>
+            </a:lvl1pPr>
+            <a:lvl2pPr marL="742950" indent="-285750">
+              <a:spcBef>
+                <a:spcPct val="20000"/>
+              </a:spcBef>
+              <a:buFont typeface="Arial" panose="020B0604020202020204" pitchFamily="34" charset="0"/>
+              <a:buChar char="–"/>
+              <a:defRPr sz="2800">
+                <a:solidFill>
+                  <a:schemeClr val="tx1"/>
+                </a:solidFill>
+                <a:latin typeface="Arial" panose="020B0604020202020204" pitchFamily="34" charset="0"/>
+                <a:cs typeface="Arial" panose="020B0604020202020204" pitchFamily="34" charset="0"/>
+              </a:defRPr>
+            </a:lvl2pPr>
+            <a:lvl3pPr marL="1143000" indent="-228600">
+              <a:spcBef>
+                <a:spcPct val="20000"/>
+              </a:spcBef>
+              <a:buFont typeface="Arial" panose="020B0604020202020204" pitchFamily="34" charset="0"/>
+              <a:buChar char="•"/>
+              <a:defRPr sz="2400">
+                <a:solidFill>
+                  <a:schemeClr val="tx1"/>
+                </a:solidFill>
+                <a:latin typeface="Arial" panose="020B0604020202020204" pitchFamily="34" charset="0"/>
+                <a:cs typeface="Arial" panose="020B0604020202020204" pitchFamily="34" charset="0"/>
+              </a:defRPr>
+            </a:lvl3pPr>
+            <a:lvl4pPr marL="1600200" indent="-228600">
+              <a:spcBef>
+                <a:spcPct val="20000"/>
+              </a:spcBef>
+              <a:buFont typeface="Arial" panose="020B0604020202020204" pitchFamily="34" charset="0"/>
+              <a:buChar char="–"/>
+              <a:defRPr sz="2000">
+                <a:solidFill>
+                  <a:schemeClr val="tx1"/>
+                </a:solidFill>
+                <a:latin typeface="Arial" panose="020B0604020202020204" pitchFamily="34" charset="0"/>
+                <a:cs typeface="Arial" panose="020B0604020202020204" pitchFamily="34" charset="0"/>
+              </a:defRPr>
+            </a:lvl4pPr>
+            <a:lvl5pPr marL="2057400" indent="-228600">
+              <a:spcBef>
+                <a:spcPct val="20000"/>
+              </a:spcBef>
+              <a:buFont typeface="Arial" panose="020B0604020202020204" pitchFamily="34" charset="0"/>
+              <a:buChar char="»"/>
+              <a:defRPr sz="2000">
+                <a:solidFill>
+                  <a:schemeClr val="tx1"/>
+                </a:solidFill>
+                <a:latin typeface="Arial" panose="020B0604020202020204" pitchFamily="34" charset="0"/>
+                <a:cs typeface="Arial" panose="020B0604020202020204" pitchFamily="34" charset="0"/>
+              </a:defRPr>
+            </a:lvl5pPr>
+            <a:lvl6pPr marL="2514600" indent="-228600" eaLnBrk="0" fontAlgn="base" hangingPunct="0">
+              <a:spcBef>
+                <a:spcPct val="20000"/>
+              </a:spcBef>
+              <a:spcAft>
+                <a:spcPct val="0"/>
+              </a:spcAft>
+              <a:buFont typeface="Arial" panose="020B0604020202020204" pitchFamily="34" charset="0"/>
+              <a:buChar char="»"/>
+              <a:defRPr sz="2000">
+                <a:solidFill>
+                  <a:schemeClr val="tx1"/>
+                </a:solidFill>
+                <a:latin typeface="Arial" panose="020B0604020202020204" pitchFamily="34" charset="0"/>
+                <a:cs typeface="Arial" panose="020B0604020202020204" pitchFamily="34" charset="0"/>
+              </a:defRPr>
+            </a:lvl6pPr>
+            <a:lvl7pPr marL="2971800" indent="-228600" eaLnBrk="0" fontAlgn="base" hangingPunct="0">
+              <a:spcBef>
+                <a:spcPct val="20000"/>
+              </a:spcBef>
+              <a:spcAft>
+                <a:spcPct val="0"/>
+              </a:spcAft>
+              <a:buFont typeface="Arial" panose="020B0604020202020204" pitchFamily="34" charset="0"/>
+              <a:buChar char="»"/>
+              <a:defRPr sz="2000">
+                <a:solidFill>
+                  <a:schemeClr val="tx1"/>
+                </a:solidFill>
+                <a:latin typeface="Arial" panose="020B0604020202020204" pitchFamily="34" charset="0"/>
+                <a:cs typeface="Arial" panose="020B0604020202020204" pitchFamily="34" charset="0"/>
+              </a:defRPr>
+            </a:lvl7pPr>
+            <a:lvl8pPr marL="3429000" indent="-228600" eaLnBrk="0" fontAlgn="base" hangingPunct="0">
+              <a:spcBef>
+                <a:spcPct val="20000"/>
+              </a:spcBef>
+              <a:spcAft>
+                <a:spcPct val="0"/>
+              </a:spcAft>
+              <a:buFont typeface="Arial" panose="020B0604020202020204" pitchFamily="34" charset="0"/>
+              <a:buChar char="»"/>
+              <a:defRPr sz="2000">
+                <a:solidFill>
+                  <a:schemeClr val="tx1"/>
+                </a:solidFill>
+                <a:latin typeface="Arial" panose="020B0604020202020204" pitchFamily="34" charset="0"/>
+                <a:cs typeface="Arial" panose="020B0604020202020204" pitchFamily="34" charset="0"/>
+              </a:defRPr>
+            </a:lvl8pPr>
+            <a:lvl9pPr marL="3886200" indent="-228600" eaLnBrk="0" fontAlgn="base" hangingPunct="0">
+              <a:spcBef>
+                <a:spcPct val="20000"/>
+              </a:spcBef>
+              <a:spcAft>
+                <a:spcPct val="0"/>
+              </a:spcAft>
+              <a:buFont typeface="Arial" panose="020B0604020202020204" pitchFamily="34" charset="0"/>
+              <a:buChar char="»"/>
+              <a:defRPr sz="2000">
+                <a:solidFill>
+                  <a:schemeClr val="tx1"/>
+                </a:solidFill>
+                <a:latin typeface="Arial" panose="020B0604020202020204" pitchFamily="34" charset="0"/>
+                <a:cs typeface="Arial" panose="020B0604020202020204" pitchFamily="34" charset="0"/>
+              </a:defRPr>
+            </a:lvl9pPr>
+          </a:lstStyle>
+          <a:p>
+            <a:pPr algn="ctr">
+              <a:spcBef>
+                <a:spcPct val="0"/>
+              </a:spcBef>
+              <a:buFontTx/>
+              <a:buNone/>
+            </a:pPr>
+            <a:r>
+              <a:rPr lang="es-CO" altLang="es-CO" sz="1200" dirty="0"/>
+              <a:t> </a:t>
+            </a:r>
+            <a:r>
+              <a:rPr lang="es-CO" altLang="es-CO" sz="1400" dirty="0"/>
+              <a:t>Martes:       18:10 - 20:00</a:t>
+            </a:r>
+          </a:p>
+          <a:p>
+            <a:pPr algn="ctr">
+              <a:spcBef>
+                <a:spcPct val="0"/>
+              </a:spcBef>
+              <a:buFontTx/>
+              <a:buNone/>
+            </a:pPr>
+            <a:r>
+              <a:rPr lang="es-CO" altLang="es-CO" sz="1400" dirty="0"/>
+              <a:t> Martes:      20:20 – 21:30</a:t>
+            </a:r>
+          </a:p>
+        </p:txBody>
+      </p:sp>
     </p:spTree>
     <p:extLst>
       <p:ext uri="{BB962C8B-B14F-4D97-AF65-F5344CB8AC3E}">
@@ -12617,7 +12500,7 @@
         </p:nvSpPr>
         <p:spPr>
           <a:xfrm>
-            <a:off x="1001616" y="5471070"/>
+            <a:off x="1238636" y="4800050"/>
             <a:ext cx="6666728" cy="954107"/>
           </a:xfrm>
           <a:prstGeom prst="rect">
@@ -12631,6 +12514,7 @@
           </a:bodyPr>
           <a:lstStyle/>
           <a:p>
+            <a:pPr algn="ctr"/>
             <a:r>
               <a:rPr lang="es-CO" sz="2800" dirty="0">
                 <a:effectLst/>
@@ -12991,7 +12875,7 @@
         </p:nvSpPr>
         <p:spPr>
           <a:xfrm>
-            <a:off x="3635896" y="3140968"/>
+            <a:off x="2627784" y="3082786"/>
             <a:ext cx="3888432" cy="369332"/>
           </a:xfrm>
           <a:prstGeom prst="rect">
@@ -13005,19 +12889,11 @@
           </a:bodyPr>
           <a:lstStyle/>
           <a:p>
-            <a:r>
-              <a:rPr lang="en-US" b="1" dirty="0" err="1"/>
-              <a:t>Introducción</a:t>
-            </a:r>
+            <a:pPr algn="ctr"/>
             <a:r>
               <a:rPr lang="en-US" b="1" dirty="0"/>
-              <a:t> a </a:t>
+              <a:t>INTRODUCCIÓN A MATLAB</a:t>
             </a:r>
-            <a:r>
-              <a:rPr lang="en-US" b="1" dirty="0" err="1"/>
-              <a:t>Matlab</a:t>
-            </a:r>
-            <a:endParaRPr lang="en-US" b="1" dirty="0"/>
           </a:p>
         </p:txBody>
       </p:sp>
@@ -13896,6 +13772,15 @@
 </file>
 
 <file path=customXml/item1.xml><?xml version="1.0" encoding="utf-8"?>
+<?mso-contentType ?>
+<FormTemplates xmlns="http://schemas.microsoft.com/sharepoint/v3/contenttype/forms">
+  <Display>DocumentLibraryForm</Display>
+  <Edit>DocumentLibraryForm</Edit>
+  <New>DocumentLibraryForm</New>
+</FormTemplates>
+</file>
+
+<file path=customXml/item2.xml><?xml version="1.0" encoding="utf-8"?>
 <ct:contentTypeSchema xmlns:ct="http://schemas.microsoft.com/office/2006/metadata/contentType" xmlns:ma="http://schemas.microsoft.com/office/2006/metadata/properties/metaAttributes" ct:_="" ma:_="" ma:contentTypeName="Documento" ma:contentTypeID="0x0101007A62137D465CE64A8C883A4664514BF8" ma:contentTypeVersion="15" ma:contentTypeDescription="Crear nuevo documento." ma:contentTypeScope="" ma:versionID="a1bd1d59f691eb9bca6952b111268275">
   <xsd:schema xmlns:xsd="http://www.w3.org/2001/XMLSchema" xmlns:xs="http://www.w3.org/2001/XMLSchema" xmlns:p="http://schemas.microsoft.com/office/2006/metadata/properties" xmlns:ns3="669280c1-d17e-4d1d-bd7f-b4f14cc6bf1d" xmlns:ns4="bdc56f61-abc0-4f7e-bfec-a93ccd1ae886" targetNamespace="http://schemas.microsoft.com/office/2006/metadata/properties" ma:root="true" ma:fieldsID="d02990a02f19f0f9fc7b999b1809cae4" ns3:_="" ns4:_="">
     <xsd:import namespace="669280c1-d17e-4d1d-bd7f-b4f14cc6bf1d"/>
@@ -14130,15 +14015,6 @@
 </ct:contentTypeSchema>
 </file>
 
-<file path=customXml/item2.xml><?xml version="1.0" encoding="utf-8"?>
-<?mso-contentType ?>
-<FormTemplates xmlns="http://schemas.microsoft.com/sharepoint/v3/contenttype/forms">
-  <Display>DocumentLibraryForm</Display>
-  <Edit>DocumentLibraryForm</Edit>
-  <New>DocumentLibraryForm</New>
-</FormTemplates>
-</file>
-
 <file path=customXml/item3.xml><?xml version="1.0" encoding="utf-8"?>
 <p:properties xmlns:p="http://schemas.microsoft.com/office/2006/metadata/properties" xmlns:xsi="http://www.w3.org/2001/XMLSchema-instance" xmlns:pc="http://schemas.microsoft.com/office/infopath/2007/PartnerControls">
   <documentManagement>
@@ -14148,6 +14024,14 @@
 </file>
 
 <file path=customXml/itemProps1.xml><?xml version="1.0" encoding="utf-8"?>
+<ds:datastoreItem xmlns:ds="http://schemas.openxmlformats.org/officeDocument/2006/customXml" ds:itemID="{4E8623C8-32E1-48B0-9F0A-13F2E9582B7E}">
+  <ds:schemaRefs>
+    <ds:schemaRef ds:uri="http://schemas.microsoft.com/sharepoint/v3/contenttype/forms"/>
+  </ds:schemaRefs>
+</ds:datastoreItem>
+</file>
+
+<file path=customXml/itemProps2.xml><?xml version="1.0" encoding="utf-8"?>
 <ds:datastoreItem xmlns:ds="http://schemas.openxmlformats.org/officeDocument/2006/customXml" ds:itemID="{025820C3-FD82-4EFC-BF14-EAF1F9613F52}">
   <ds:schemaRefs>
     <ds:schemaRef ds:uri="http://schemas.microsoft.com/office/2006/metadata/contentType"/>
@@ -14162,14 +14046,6 @@
     <ds:schemaRef ds:uri="http://purl.org/dc/elements/1.1/"/>
     <ds:schemaRef ds:uri="http://purl.org/dc/terms/"/>
     <ds:schemaRef ds:uri="http://schemas.microsoft.com/internal/obd"/>
-  </ds:schemaRefs>
-</ds:datastoreItem>
-</file>
-
-<file path=customXml/itemProps2.xml><?xml version="1.0" encoding="utf-8"?>
-<ds:datastoreItem xmlns:ds="http://schemas.openxmlformats.org/officeDocument/2006/customXml" ds:itemID="{4E8623C8-32E1-48B0-9F0A-13F2E9582B7E}">
-  <ds:schemaRefs>
-    <ds:schemaRef ds:uri="http://schemas.microsoft.com/sharepoint/v3/contenttype/forms"/>
   </ds:schemaRefs>
 </ds:datastoreItem>
 </file>

--- a/Sesión_0/Semana 0.pptx
+++ b/Sesión_0/Semana 0.pptx
@@ -13,8 +13,8 @@
   <p:sldIdLst>
     <p:sldId id="256" r:id="rId5"/>
     <p:sldId id="280" r:id="rId6"/>
-    <p:sldId id="268" r:id="rId7"/>
-    <p:sldId id="281" r:id="rId8"/>
+    <p:sldId id="281" r:id="rId7"/>
+    <p:sldId id="268" r:id="rId8"/>
   </p:sldIdLst>
   <p:sldSz cx="9144000" cy="6858000" type="letter"/>
   <p:notesSz cx="6858000" cy="9144000"/>
@@ -120,8 +120,8 @@
           <p14:sldIdLst>
             <p14:sldId id="256"/>
             <p14:sldId id="280"/>
+            <p14:sldId id="281"/>
             <p14:sldId id="268"/>
-            <p14:sldId id="281"/>
           </p14:sldIdLst>
         </p14:section>
       </p14:sectionLst>
@@ -583,13 +583,13 @@
   </pc:docChgLst>
   <pc:docChgLst>
     <pc:chgData name="JHEYSON FABIAN VILLAVISAN BUITRAGO" userId="e5ced5c2-d787-455d-b115-4f08a699b8c8" providerId="ADAL" clId="{734B5F73-C98D-44CC-99AC-FC7AA898038E}"/>
-    <pc:docChg chg="custSel modSld">
-      <pc:chgData name="JHEYSON FABIAN VILLAVISAN BUITRAGO" userId="e5ced5c2-d787-455d-b115-4f08a699b8c8" providerId="ADAL" clId="{734B5F73-C98D-44CC-99AC-FC7AA898038E}" dt="2025-01-04T00:04:01.387" v="11" actId="1076"/>
+    <pc:docChg chg="custSel modSld sldOrd">
+      <pc:chgData name="JHEYSON FABIAN VILLAVISAN BUITRAGO" userId="e5ced5c2-d787-455d-b115-4f08a699b8c8" providerId="ADAL" clId="{734B5F73-C98D-44CC-99AC-FC7AA898038E}" dt="2025-01-08T15:02:20.603" v="15" actId="20577"/>
       <pc:docMkLst>
         <pc:docMk/>
       </pc:docMkLst>
       <pc:sldChg chg="modSp mod">
-        <pc:chgData name="JHEYSON FABIAN VILLAVISAN BUITRAGO" userId="e5ced5c2-d787-455d-b115-4f08a699b8c8" providerId="ADAL" clId="{734B5F73-C98D-44CC-99AC-FC7AA898038E}" dt="2025-01-04T00:03:38.590" v="7" actId="1076"/>
+        <pc:chgData name="JHEYSON FABIAN VILLAVISAN BUITRAGO" userId="e5ced5c2-d787-455d-b115-4f08a699b8c8" providerId="ADAL" clId="{734B5F73-C98D-44CC-99AC-FC7AA898038E}" dt="2025-01-08T15:02:20.603" v="15" actId="20577"/>
         <pc:sldMkLst>
           <pc:docMk/>
           <pc:sldMk cId="0" sldId="268"/>
@@ -600,6 +600,14 @@
             <pc:docMk/>
             <pc:sldMk cId="0" sldId="268"/>
             <ac:spMk id="7" creationId="{ADAEF221-46CF-A663-F648-2E7E83894D62}"/>
+          </ac:spMkLst>
+        </pc:spChg>
+        <pc:spChg chg="mod">
+          <ac:chgData name="JHEYSON FABIAN VILLAVISAN BUITRAGO" userId="e5ced5c2-d787-455d-b115-4f08a699b8c8" providerId="ADAL" clId="{734B5F73-C98D-44CC-99AC-FC7AA898038E}" dt="2025-01-08T15:02:20.603" v="15" actId="20577"/>
+          <ac:spMkLst>
+            <pc:docMk/>
+            <pc:sldMk cId="0" sldId="268"/>
+            <ac:spMk id="23554" creationId="{EA98F516-CD1D-4B94-8AAC-2D9EAEE9939C}"/>
           </ac:spMkLst>
         </pc:spChg>
       </pc:sldChg>
@@ -617,14 +625,6 @@
             <ac:spMk id="3" creationId="{35BBD13D-748C-1A84-FE8D-1DD18C63D484}"/>
           </ac:spMkLst>
         </pc:spChg>
-        <pc:spChg chg="del">
-          <ac:chgData name="JHEYSON FABIAN VILLAVISAN BUITRAGO" userId="e5ced5c2-d787-455d-b115-4f08a699b8c8" providerId="ADAL" clId="{734B5F73-C98D-44CC-99AC-FC7AA898038E}" dt="2025-01-04T00:03:21.932" v="3" actId="478"/>
-          <ac:spMkLst>
-            <pc:docMk/>
-            <pc:sldMk cId="2965408220" sldId="280"/>
-            <ac:spMk id="8" creationId="{5932E3F1-24A7-A01F-0773-6237BD556E80}"/>
-          </ac:spMkLst>
-        </pc:spChg>
         <pc:graphicFrameChg chg="add mod">
           <ac:chgData name="JHEYSON FABIAN VILLAVISAN BUITRAGO" userId="e5ced5c2-d787-455d-b115-4f08a699b8c8" providerId="ADAL" clId="{734B5F73-C98D-44CC-99AC-FC7AA898038E}" dt="2025-01-04T00:03:17.232" v="2"/>
           <ac:graphicFrameMkLst>
@@ -633,17 +633,9 @@
             <ac:graphicFrameMk id="2" creationId="{4FE20D8D-079D-2477-98ED-1A48C58F16BF}"/>
           </ac:graphicFrameMkLst>
         </pc:graphicFrameChg>
-        <pc:graphicFrameChg chg="del">
-          <ac:chgData name="JHEYSON FABIAN VILLAVISAN BUITRAGO" userId="e5ced5c2-d787-455d-b115-4f08a699b8c8" providerId="ADAL" clId="{734B5F73-C98D-44CC-99AC-FC7AA898038E}" dt="2025-01-04T00:03:13.819" v="1" actId="478"/>
-          <ac:graphicFrameMkLst>
-            <pc:docMk/>
-            <pc:sldMk cId="2965408220" sldId="280"/>
-            <ac:graphicFrameMk id="6" creationId="{D45444DB-DE93-829B-F32A-C3FB962F868B}"/>
-          </ac:graphicFrameMkLst>
-        </pc:graphicFrameChg>
       </pc:sldChg>
-      <pc:sldChg chg="modSp mod">
-        <pc:chgData name="JHEYSON FABIAN VILLAVISAN BUITRAGO" userId="e5ced5c2-d787-455d-b115-4f08a699b8c8" providerId="ADAL" clId="{734B5F73-C98D-44CC-99AC-FC7AA898038E}" dt="2025-01-04T00:04:01.387" v="11" actId="1076"/>
+      <pc:sldChg chg="modSp mod ord">
+        <pc:chgData name="JHEYSON FABIAN VILLAVISAN BUITRAGO" userId="e5ced5c2-d787-455d-b115-4f08a699b8c8" providerId="ADAL" clId="{734B5F73-C98D-44CC-99AC-FC7AA898038E}" dt="2025-01-08T15:02:17.380" v="14" actId="20577"/>
         <pc:sldMkLst>
           <pc:docMk/>
           <pc:sldMk cId="3192913639" sldId="281"/>
@@ -654,6 +646,14 @@
             <pc:docMk/>
             <pc:sldMk cId="3192913639" sldId="281"/>
             <ac:spMk id="3" creationId="{989468C4-5745-FDFE-6E28-10FFE4C6E858}"/>
+          </ac:spMkLst>
+        </pc:spChg>
+        <pc:spChg chg="mod">
+          <ac:chgData name="JHEYSON FABIAN VILLAVISAN BUITRAGO" userId="e5ced5c2-d787-455d-b115-4f08a699b8c8" providerId="ADAL" clId="{734B5F73-C98D-44CC-99AC-FC7AA898038E}" dt="2025-01-08T15:02:17.380" v="14" actId="20577"/>
+          <ac:spMkLst>
+            <pc:docMk/>
+            <pc:sldMk cId="3192913639" sldId="281"/>
+            <ac:spMk id="23554" creationId="{EA98F516-CD1D-4B94-8AAC-2D9EAEE9939C}"/>
           </ac:spMkLst>
         </pc:spChg>
       </pc:sldChg>
@@ -802,7 +802,7 @@
               <a:pPr>
                 <a:defRPr/>
               </a:pPr>
-              <a:t>3/01/2025</a:t>
+              <a:t>8/01/2025</a:t>
             </a:fld>
             <a:endParaRPr lang="es-CO"/>
           </a:p>
@@ -1045,7 +1045,7 @@
               <a:pPr>
                 <a:defRPr/>
               </a:pPr>
-              <a:t>3/01/2025</a:t>
+              <a:t>8/01/2025</a:t>
             </a:fld>
             <a:endParaRPr lang="es-CO"/>
           </a:p>
@@ -2254,6 +2254,11 @@
         </p:txBody>
       </p:sp>
     </p:spTree>
+    <p:extLst>
+      <p:ext uri="{BB962C8B-B14F-4D97-AF65-F5344CB8AC3E}">
+        <p14:creationId xmlns:p14="http://schemas.microsoft.com/office/powerpoint/2010/main" val="2083486359"/>
+      </p:ext>
+    </p:extLst>
   </p:cSld>
   <p:clrMapOvr>
     <a:masterClrMapping/>
@@ -2543,11 +2548,6 @@
         </p:txBody>
       </p:sp>
     </p:spTree>
-    <p:extLst>
-      <p:ext uri="{BB962C8B-B14F-4D97-AF65-F5344CB8AC3E}">
-        <p14:creationId xmlns:p14="http://schemas.microsoft.com/office/powerpoint/2010/main" val="2083486359"/>
-      </p:ext>
-    </p:extLst>
   </p:cSld>
   <p:clrMapOvr>
     <a:masterClrMapping/>
@@ -2704,7 +2704,7 @@
           <a:p>
             <a:fld id="{9CF7635E-2D71-42E7-9E6C-FBB85A15A85F}" type="datetimeFigureOut">
               <a:rPr lang="es-CO" smtClean="0"/>
-              <a:t>3/01/2025</a:t>
+              <a:t>8/01/2025</a:t>
             </a:fld>
             <a:endParaRPr lang="es-CO"/>
           </a:p>
@@ -2970,7 +2970,7 @@
           <a:p>
             <a:fld id="{9CF7635E-2D71-42E7-9E6C-FBB85A15A85F}" type="datetimeFigureOut">
               <a:rPr lang="es-CO" smtClean="0"/>
-              <a:t>3/01/2025</a:t>
+              <a:t>8/01/2025</a:t>
             </a:fld>
             <a:endParaRPr lang="es-CO"/>
           </a:p>
@@ -3186,7 +3186,7 @@
           <a:p>
             <a:fld id="{9CF7635E-2D71-42E7-9E6C-FBB85A15A85F}" type="datetimeFigureOut">
               <a:rPr lang="es-CO" smtClean="0"/>
-              <a:t>3/01/2025</a:t>
+              <a:t>8/01/2025</a:t>
             </a:fld>
             <a:endParaRPr lang="es-CO"/>
           </a:p>
@@ -4815,7 +4815,7 @@
           <a:p>
             <a:fld id="{9CF7635E-2D71-42E7-9E6C-FBB85A15A85F}" type="datetimeFigureOut">
               <a:rPr lang="es-CO" smtClean="0"/>
-              <a:t>3/01/2025</a:t>
+              <a:t>8/01/2025</a:t>
             </a:fld>
             <a:endParaRPr lang="es-CO"/>
           </a:p>
@@ -5262,7 +5262,7 @@
           <a:p>
             <a:fld id="{9CF7635E-2D71-42E7-9E6C-FBB85A15A85F}" type="datetimeFigureOut">
               <a:rPr lang="es-CO" smtClean="0"/>
-              <a:t>3/01/2025</a:t>
+              <a:t>8/01/2025</a:t>
             </a:fld>
             <a:endParaRPr lang="es-CO"/>
           </a:p>
@@ -5536,7 +5536,7 @@
           <a:p>
             <a:fld id="{9CF7635E-2D71-42E7-9E6C-FBB85A15A85F}" type="datetimeFigureOut">
               <a:rPr lang="es-CO" smtClean="0"/>
-              <a:t>3/01/2025</a:t>
+              <a:t>8/01/2025</a:t>
             </a:fld>
             <a:endParaRPr lang="es-CO"/>
           </a:p>
@@ -5957,7 +5957,7 @@
           <a:p>
             <a:fld id="{9CF7635E-2D71-42E7-9E6C-FBB85A15A85F}" type="datetimeFigureOut">
               <a:rPr lang="es-CO" smtClean="0"/>
-              <a:t>3/01/2025</a:t>
+              <a:t>8/01/2025</a:t>
             </a:fld>
             <a:endParaRPr lang="es-CO"/>
           </a:p>
@@ -6105,7 +6105,7 @@
           <a:p>
             <a:fld id="{9CF7635E-2D71-42E7-9E6C-FBB85A15A85F}" type="datetimeFigureOut">
               <a:rPr lang="es-CO" smtClean="0"/>
-              <a:t>3/01/2025</a:t>
+              <a:t>8/01/2025</a:t>
             </a:fld>
             <a:endParaRPr lang="es-CO"/>
           </a:p>
@@ -6224,7 +6224,7 @@
           <a:p>
             <a:fld id="{9CF7635E-2D71-42E7-9E6C-FBB85A15A85F}" type="datetimeFigureOut">
               <a:rPr lang="es-CO" smtClean="0"/>
-              <a:t>3/01/2025</a:t>
+              <a:t>8/01/2025</a:t>
             </a:fld>
             <a:endParaRPr lang="es-CO"/>
           </a:p>
@@ -6543,7 +6543,7 @@
           <a:p>
             <a:fld id="{9CF7635E-2D71-42E7-9E6C-FBB85A15A85F}" type="datetimeFigureOut">
               <a:rPr lang="es-CO" smtClean="0"/>
-              <a:t>3/01/2025</a:t>
+              <a:t>8/01/2025</a:t>
             </a:fld>
             <a:endParaRPr lang="es-CO"/>
           </a:p>
@@ -6838,7 +6838,7 @@
           <a:p>
             <a:fld id="{9CF7635E-2D71-42E7-9E6C-FBB85A15A85F}" type="datetimeFigureOut">
               <a:rPr lang="es-CO" smtClean="0"/>
-              <a:t>3/01/2025</a:t>
+              <a:t>8/01/2025</a:t>
             </a:fld>
             <a:endParaRPr lang="es-CO"/>
           </a:p>
@@ -7087,7 +7087,7 @@
           <a:p>
             <a:fld id="{9CF7635E-2D71-42E7-9E6C-FBB85A15A85F}" type="datetimeFigureOut">
               <a:rPr lang="es-CO" smtClean="0"/>
-              <a:t>3/01/2025</a:t>
+              <a:t>8/01/2025</a:t>
             </a:fld>
             <a:endParaRPr lang="es-CO"/>
           </a:p>
@@ -12423,6 +12423,380 @@
         </p:nvSpPr>
         <p:spPr>
           <a:xfrm>
+            <a:off x="2627784" y="3082786"/>
+            <a:ext cx="3888432" cy="369332"/>
+          </a:xfrm>
+          <a:prstGeom prst="rect">
+            <a:avLst/>
+          </a:prstGeom>
+          <a:noFill/>
+        </p:spPr>
+        <p:txBody>
+          <a:bodyPr wrap="square" rtlCol="0">
+            <a:spAutoFit/>
+          </a:bodyPr>
+          <a:lstStyle/>
+          <a:p>
+            <a:pPr algn="ctr"/>
+            <a:r>
+              <a:rPr lang="en-US" b="1" dirty="0"/>
+              <a:t>INTRODUCCIÓN A MATLAB</a:t>
+            </a:r>
+          </a:p>
+        </p:txBody>
+      </p:sp>
+    </p:spTree>
+    <p:extLst>
+      <p:ext uri="{BB962C8B-B14F-4D97-AF65-F5344CB8AC3E}">
+        <p14:creationId xmlns:p14="http://schemas.microsoft.com/office/powerpoint/2010/main" val="3192913639"/>
+      </p:ext>
+    </p:extLst>
+  </p:cSld>
+  <p:clrMapOvr>
+    <a:masterClrMapping/>
+  </p:clrMapOvr>
+</p:sld>
+</file>
+
+<file path=ppt/slides/slide4.xml><?xml version="1.0" encoding="utf-8"?>
+<p:sld xmlns:a="http://schemas.openxmlformats.org/drawingml/2006/main" xmlns:r="http://schemas.openxmlformats.org/officeDocument/2006/relationships" xmlns:p="http://schemas.openxmlformats.org/presentationml/2006/main">
+  <p:cSld>
+    <p:spTree>
+      <p:nvGrpSpPr>
+        <p:cNvPr id="1" name=""/>
+        <p:cNvGrpSpPr/>
+        <p:nvPr/>
+      </p:nvGrpSpPr>
+      <p:grpSpPr>
+        <a:xfrm>
+          <a:off x="0" y="0"/>
+          <a:ext cx="0" cy="0"/>
+          <a:chOff x="0" y="0"/>
+          <a:chExt cx="0" cy="0"/>
+        </a:xfrm>
+      </p:grpSpPr>
+      <p:sp>
+        <p:nvSpPr>
+          <p:cNvPr id="23554" name="1 Título">
+            <a:extLst>
+              <a:ext uri="{FF2B5EF4-FFF2-40B4-BE49-F238E27FC236}">
+                <a16:creationId xmlns:a16="http://schemas.microsoft.com/office/drawing/2014/main" id="{EA98F516-CD1D-4B94-8AAC-2D9EAEE9939C}"/>
+              </a:ext>
+            </a:extLst>
+          </p:cNvPr>
+          <p:cNvSpPr>
+            <a:spLocks noGrp="1"/>
+          </p:cNvSpPr>
+          <p:nvPr>
+            <p:ph type="ctrTitle"/>
+          </p:nvPr>
+        </p:nvSpPr>
+        <p:spPr>
+          <a:xfrm>
+            <a:off x="0" y="-28575"/>
+            <a:ext cx="779463" cy="720725"/>
+          </a:xfrm>
+        </p:spPr>
+        <p:txBody>
+          <a:bodyPr/>
+          <a:lstStyle/>
+          <a:p>
+            <a:pPr algn="ctr" eaLnBrk="1" hangingPunct="1"/>
+            <a:r>
+              <a:rPr lang="es-CO" altLang="es-CO" sz="3600" dirty="0"/>
+              <a:t>4</a:t>
+            </a:r>
+          </a:p>
+        </p:txBody>
+      </p:sp>
+      <p:pic>
+        <p:nvPicPr>
+          <p:cNvPr id="4" name="Picture 4" descr="Programas - Intranet ETITC">
+            <a:extLst>
+              <a:ext uri="{FF2B5EF4-FFF2-40B4-BE49-F238E27FC236}">
+                <a16:creationId xmlns:a16="http://schemas.microsoft.com/office/drawing/2014/main" id="{B96A6DCC-1ECE-413D-8BEA-DB41E6C6FC1A}"/>
+              </a:ext>
+            </a:extLst>
+          </p:cNvPr>
+          <p:cNvPicPr>
+            <a:picLocks noChangeAspect="1" noChangeArrowheads="1"/>
+          </p:cNvPicPr>
+          <p:nvPr/>
+        </p:nvPicPr>
+        <p:blipFill>
+          <a:blip r:embed="rId3">
+            <a:extLst>
+              <a:ext uri="{28A0092B-C50C-407E-A947-70E740481C1C}">
+                <a14:useLocalDpi xmlns:a14="http://schemas.microsoft.com/office/drawing/2010/main" val="0"/>
+              </a:ext>
+            </a:extLst>
+          </a:blip>
+          <a:srcRect/>
+          <a:stretch>
+            <a:fillRect/>
+          </a:stretch>
+        </p:blipFill>
+        <p:spPr bwMode="auto">
+          <a:xfrm>
+            <a:off x="795338" y="44758"/>
+            <a:ext cx="2483768" cy="794720"/>
+          </a:xfrm>
+          <a:prstGeom prst="rect">
+            <a:avLst/>
+          </a:prstGeom>
+          <a:noFill/>
+          <a:extLst>
+            <a:ext uri="{909E8E84-426E-40DD-AFC4-6F175D3DCCD1}">
+              <a14:hiddenFill xmlns:a14="http://schemas.microsoft.com/office/drawing/2010/main">
+                <a:solidFill>
+                  <a:srgbClr val="FFFFFF"/>
+                </a:solidFill>
+              </a14:hiddenFill>
+            </a:ext>
+          </a:extLst>
+        </p:spPr>
+      </p:pic>
+      <p:sp>
+        <p:nvSpPr>
+          <p:cNvPr id="2" name="2 Subtítulo">
+            <a:extLst>
+              <a:ext uri="{FF2B5EF4-FFF2-40B4-BE49-F238E27FC236}">
+                <a16:creationId xmlns:a16="http://schemas.microsoft.com/office/drawing/2014/main" id="{E3039CD5-5EDF-B67E-43E0-6A692B67FA09}"/>
+              </a:ext>
+            </a:extLst>
+          </p:cNvPr>
+          <p:cNvSpPr txBox="1">
+            <a:spLocks/>
+          </p:cNvSpPr>
+          <p:nvPr/>
+        </p:nvSpPr>
+        <p:spPr bwMode="auto">
+          <a:xfrm>
+            <a:off x="2267744" y="259824"/>
+            <a:ext cx="6400800" cy="500063"/>
+          </a:xfrm>
+          <a:prstGeom prst="rect">
+            <a:avLst/>
+          </a:prstGeom>
+          <a:noFill/>
+          <a:ln>
+            <a:noFill/>
+          </a:ln>
+          <a:extLst>
+            <a:ext uri="{909E8E84-426E-40DD-AFC4-6F175D3DCCD1}">
+              <a14:hiddenFill xmlns:a14="http://schemas.microsoft.com/office/drawing/2010/main">
+                <a:solidFill>
+                  <a:srgbClr val="FFFFFF"/>
+                </a:solidFill>
+              </a14:hiddenFill>
+            </a:ext>
+            <a:ext uri="{91240B29-F687-4F45-9708-019B960494DF}">
+              <a14:hiddenLine xmlns:a14="http://schemas.microsoft.com/office/drawing/2010/main" w="9525">
+                <a:solidFill>
+                  <a:srgbClr val="000000"/>
+                </a:solidFill>
+                <a:miter lim="800000"/>
+                <a:headEnd/>
+                <a:tailEnd/>
+              </a14:hiddenLine>
+            </a:ext>
+          </a:extLst>
+        </p:spPr>
+        <p:txBody>
+          <a:bodyPr vert="horz" wrap="square" lIns="91440" tIns="45720" rIns="91440" bIns="45720" numCol="1" rtlCol="0" anchor="t" anchorCtr="0" compatLnSpc="1">
+            <a:prstTxWarp prst="textNoShape">
+              <a:avLst/>
+            </a:prstTxWarp>
+            <a:noAutofit/>
+          </a:bodyPr>
+          <a:lstStyle>
+            <a:lvl1pPr marL="342900" indent="-342900" algn="l" rtl="0" eaLnBrk="0" fontAlgn="base" hangingPunct="0">
+              <a:spcBef>
+                <a:spcPct val="20000"/>
+              </a:spcBef>
+              <a:spcAft>
+                <a:spcPct val="0"/>
+              </a:spcAft>
+              <a:buFont typeface="Arial" panose="020B0604020202020204" pitchFamily="34" charset="0"/>
+              <a:buChar char="•"/>
+              <a:defRPr sz="3200" kern="1200">
+                <a:solidFill>
+                  <a:schemeClr val="tx1"/>
+                </a:solidFill>
+                <a:latin typeface="Arial" pitchFamily="34" charset="0"/>
+                <a:ea typeface="+mn-ea"/>
+                <a:cs typeface="Arial" pitchFamily="34" charset="0"/>
+              </a:defRPr>
+            </a:lvl1pPr>
+            <a:lvl2pPr marL="742950" indent="-285750" algn="l" rtl="0" eaLnBrk="0" fontAlgn="base" hangingPunct="0">
+              <a:spcBef>
+                <a:spcPct val="20000"/>
+              </a:spcBef>
+              <a:spcAft>
+                <a:spcPct val="0"/>
+              </a:spcAft>
+              <a:buFont typeface="Arial" panose="020B0604020202020204" pitchFamily="34" charset="0"/>
+              <a:buChar char="–"/>
+              <a:defRPr sz="2800" kern="1200">
+                <a:solidFill>
+                  <a:schemeClr val="tx1"/>
+                </a:solidFill>
+                <a:latin typeface="Arial" pitchFamily="34" charset="0"/>
+                <a:ea typeface="+mn-ea"/>
+                <a:cs typeface="Arial" pitchFamily="34" charset="0"/>
+              </a:defRPr>
+            </a:lvl2pPr>
+            <a:lvl3pPr marL="1143000" indent="-228600" algn="l" rtl="0" eaLnBrk="0" fontAlgn="base" hangingPunct="0">
+              <a:spcBef>
+                <a:spcPct val="20000"/>
+              </a:spcBef>
+              <a:spcAft>
+                <a:spcPct val="0"/>
+              </a:spcAft>
+              <a:buFont typeface="Arial" panose="020B0604020202020204" pitchFamily="34" charset="0"/>
+              <a:buChar char="•"/>
+              <a:defRPr sz="2400" kern="1200">
+                <a:solidFill>
+                  <a:schemeClr val="tx1"/>
+                </a:solidFill>
+                <a:latin typeface="Arial" pitchFamily="34" charset="0"/>
+                <a:ea typeface="+mn-ea"/>
+                <a:cs typeface="Arial" pitchFamily="34" charset="0"/>
+              </a:defRPr>
+            </a:lvl3pPr>
+            <a:lvl4pPr marL="1600200" indent="-228600" algn="l" rtl="0" eaLnBrk="0" fontAlgn="base" hangingPunct="0">
+              <a:spcBef>
+                <a:spcPct val="20000"/>
+              </a:spcBef>
+              <a:spcAft>
+                <a:spcPct val="0"/>
+              </a:spcAft>
+              <a:buFont typeface="Arial" panose="020B0604020202020204" pitchFamily="34" charset="0"/>
+              <a:buChar char="–"/>
+              <a:defRPr sz="2000" kern="1200">
+                <a:solidFill>
+                  <a:schemeClr val="tx1"/>
+                </a:solidFill>
+                <a:latin typeface="Arial" pitchFamily="34" charset="0"/>
+                <a:ea typeface="+mn-ea"/>
+                <a:cs typeface="Arial" pitchFamily="34" charset="0"/>
+              </a:defRPr>
+            </a:lvl4pPr>
+            <a:lvl5pPr marL="2057400" indent="-228600" algn="l" rtl="0" eaLnBrk="0" fontAlgn="base" hangingPunct="0">
+              <a:spcBef>
+                <a:spcPct val="20000"/>
+              </a:spcBef>
+              <a:spcAft>
+                <a:spcPct val="0"/>
+              </a:spcAft>
+              <a:buFont typeface="Arial" panose="020B0604020202020204" pitchFamily="34" charset="0"/>
+              <a:buChar char="»"/>
+              <a:defRPr sz="2000" kern="1200">
+                <a:solidFill>
+                  <a:schemeClr val="tx1"/>
+                </a:solidFill>
+                <a:latin typeface="Arial" pitchFamily="34" charset="0"/>
+                <a:ea typeface="+mn-ea"/>
+                <a:cs typeface="Arial" pitchFamily="34" charset="0"/>
+              </a:defRPr>
+            </a:lvl5pPr>
+            <a:lvl6pPr marL="2514600" indent="-228600" algn="l" defTabSz="914400" rtl="0" eaLnBrk="1" latinLnBrk="0" hangingPunct="1">
+              <a:spcBef>
+                <a:spcPct val="20000"/>
+              </a:spcBef>
+              <a:buFont typeface="Arial" pitchFamily="34" charset="0"/>
+              <a:buChar char="•"/>
+              <a:defRPr sz="2000" kern="1200">
+                <a:solidFill>
+                  <a:schemeClr val="tx1"/>
+                </a:solidFill>
+                <a:latin typeface="+mn-lt"/>
+                <a:ea typeface="+mn-ea"/>
+                <a:cs typeface="+mn-cs"/>
+              </a:defRPr>
+            </a:lvl6pPr>
+            <a:lvl7pPr marL="2971800" indent="-228600" algn="l" defTabSz="914400" rtl="0" eaLnBrk="1" latinLnBrk="0" hangingPunct="1">
+              <a:spcBef>
+                <a:spcPct val="20000"/>
+              </a:spcBef>
+              <a:buFont typeface="Arial" pitchFamily="34" charset="0"/>
+              <a:buChar char="•"/>
+              <a:defRPr sz="2000" kern="1200">
+                <a:solidFill>
+                  <a:schemeClr val="tx1"/>
+                </a:solidFill>
+                <a:latin typeface="+mn-lt"/>
+                <a:ea typeface="+mn-ea"/>
+                <a:cs typeface="+mn-cs"/>
+              </a:defRPr>
+            </a:lvl7pPr>
+            <a:lvl8pPr marL="3429000" indent="-228600" algn="l" defTabSz="914400" rtl="0" eaLnBrk="1" latinLnBrk="0" hangingPunct="1">
+              <a:spcBef>
+                <a:spcPct val="20000"/>
+              </a:spcBef>
+              <a:buFont typeface="Arial" pitchFamily="34" charset="0"/>
+              <a:buChar char="•"/>
+              <a:defRPr sz="2000" kern="1200">
+                <a:solidFill>
+                  <a:schemeClr val="tx1"/>
+                </a:solidFill>
+                <a:latin typeface="+mn-lt"/>
+                <a:ea typeface="+mn-ea"/>
+                <a:cs typeface="+mn-cs"/>
+              </a:defRPr>
+            </a:lvl8pPr>
+            <a:lvl9pPr marL="3886200" indent="-228600" algn="l" defTabSz="914400" rtl="0" eaLnBrk="1" latinLnBrk="0" hangingPunct="1">
+              <a:spcBef>
+                <a:spcPct val="20000"/>
+              </a:spcBef>
+              <a:buFont typeface="Arial" pitchFamily="34" charset="0"/>
+              <a:buChar char="•"/>
+              <a:defRPr sz="2000" kern="1200">
+                <a:solidFill>
+                  <a:schemeClr val="tx1"/>
+                </a:solidFill>
+                <a:latin typeface="+mn-lt"/>
+                <a:ea typeface="+mn-ea"/>
+                <a:cs typeface="+mn-cs"/>
+              </a:defRPr>
+            </a:lvl9pPr>
+          </a:lstStyle>
+          <a:p>
+            <a:pPr marL="0" indent="0" algn="r" eaLnBrk="1" fontAlgn="auto" hangingPunct="1">
+              <a:spcAft>
+                <a:spcPts val="0"/>
+              </a:spcAft>
+              <a:buNone/>
+              <a:defRPr/>
+            </a:pPr>
+            <a:r>
+              <a:rPr lang="es-CO" sz="2000" b="1" dirty="0">
+                <a:solidFill>
+                  <a:schemeClr val="tx1">
+                    <a:lumMod val="75000"/>
+                    <a:lumOff val="25000"/>
+                  </a:schemeClr>
+                </a:solidFill>
+              </a:rPr>
+              <a:t> 6065 SISTEMAS DE CONTROL II</a:t>
+            </a:r>
+          </a:p>
+        </p:txBody>
+      </p:sp>
+      <p:sp>
+        <p:nvSpPr>
+          <p:cNvPr id="3" name="CuadroTexto 2">
+            <a:extLst>
+              <a:ext uri="{FF2B5EF4-FFF2-40B4-BE49-F238E27FC236}">
+                <a16:creationId xmlns:a16="http://schemas.microsoft.com/office/drawing/2014/main" id="{989468C4-5745-FDFE-6E28-10FFE4C6E858}"/>
+              </a:ext>
+            </a:extLst>
+          </p:cNvPr>
+          <p:cNvSpPr txBox="1"/>
+          <p:nvPr/>
+        </p:nvSpPr>
+        <p:spPr>
+          <a:xfrm>
             <a:off x="899592" y="1556792"/>
             <a:ext cx="3888432" cy="369332"/>
           </a:xfrm>
@@ -12529,380 +12903,6 @@
         </p:txBody>
       </p:sp>
     </p:spTree>
-  </p:cSld>
-  <p:clrMapOvr>
-    <a:masterClrMapping/>
-  </p:clrMapOvr>
-</p:sld>
-</file>
-
-<file path=ppt/slides/slide4.xml><?xml version="1.0" encoding="utf-8"?>
-<p:sld xmlns:a="http://schemas.openxmlformats.org/drawingml/2006/main" xmlns:r="http://schemas.openxmlformats.org/officeDocument/2006/relationships" xmlns:p="http://schemas.openxmlformats.org/presentationml/2006/main">
-  <p:cSld>
-    <p:spTree>
-      <p:nvGrpSpPr>
-        <p:cNvPr id="1" name=""/>
-        <p:cNvGrpSpPr/>
-        <p:nvPr/>
-      </p:nvGrpSpPr>
-      <p:grpSpPr>
-        <a:xfrm>
-          <a:off x="0" y="0"/>
-          <a:ext cx="0" cy="0"/>
-          <a:chOff x="0" y="0"/>
-          <a:chExt cx="0" cy="0"/>
-        </a:xfrm>
-      </p:grpSpPr>
-      <p:sp>
-        <p:nvSpPr>
-          <p:cNvPr id="23554" name="1 Título">
-            <a:extLst>
-              <a:ext uri="{FF2B5EF4-FFF2-40B4-BE49-F238E27FC236}">
-                <a16:creationId xmlns:a16="http://schemas.microsoft.com/office/drawing/2014/main" id="{EA98F516-CD1D-4B94-8AAC-2D9EAEE9939C}"/>
-              </a:ext>
-            </a:extLst>
-          </p:cNvPr>
-          <p:cNvSpPr>
-            <a:spLocks noGrp="1"/>
-          </p:cNvSpPr>
-          <p:nvPr>
-            <p:ph type="ctrTitle"/>
-          </p:nvPr>
-        </p:nvSpPr>
-        <p:spPr>
-          <a:xfrm>
-            <a:off x="0" y="-28575"/>
-            <a:ext cx="779463" cy="720725"/>
-          </a:xfrm>
-        </p:spPr>
-        <p:txBody>
-          <a:bodyPr/>
-          <a:lstStyle/>
-          <a:p>
-            <a:pPr algn="ctr" eaLnBrk="1" hangingPunct="1"/>
-            <a:r>
-              <a:rPr lang="es-CO" altLang="es-CO" sz="3600" dirty="0"/>
-              <a:t>4</a:t>
-            </a:r>
-          </a:p>
-        </p:txBody>
-      </p:sp>
-      <p:pic>
-        <p:nvPicPr>
-          <p:cNvPr id="4" name="Picture 4" descr="Programas - Intranet ETITC">
-            <a:extLst>
-              <a:ext uri="{FF2B5EF4-FFF2-40B4-BE49-F238E27FC236}">
-                <a16:creationId xmlns:a16="http://schemas.microsoft.com/office/drawing/2014/main" id="{B96A6DCC-1ECE-413D-8BEA-DB41E6C6FC1A}"/>
-              </a:ext>
-            </a:extLst>
-          </p:cNvPr>
-          <p:cNvPicPr>
-            <a:picLocks noChangeAspect="1" noChangeArrowheads="1"/>
-          </p:cNvPicPr>
-          <p:nvPr/>
-        </p:nvPicPr>
-        <p:blipFill>
-          <a:blip r:embed="rId3">
-            <a:extLst>
-              <a:ext uri="{28A0092B-C50C-407E-A947-70E740481C1C}">
-                <a14:useLocalDpi xmlns:a14="http://schemas.microsoft.com/office/drawing/2010/main" val="0"/>
-              </a:ext>
-            </a:extLst>
-          </a:blip>
-          <a:srcRect/>
-          <a:stretch>
-            <a:fillRect/>
-          </a:stretch>
-        </p:blipFill>
-        <p:spPr bwMode="auto">
-          <a:xfrm>
-            <a:off x="795338" y="44758"/>
-            <a:ext cx="2483768" cy="794720"/>
-          </a:xfrm>
-          <a:prstGeom prst="rect">
-            <a:avLst/>
-          </a:prstGeom>
-          <a:noFill/>
-          <a:extLst>
-            <a:ext uri="{909E8E84-426E-40DD-AFC4-6F175D3DCCD1}">
-              <a14:hiddenFill xmlns:a14="http://schemas.microsoft.com/office/drawing/2010/main">
-                <a:solidFill>
-                  <a:srgbClr val="FFFFFF"/>
-                </a:solidFill>
-              </a14:hiddenFill>
-            </a:ext>
-          </a:extLst>
-        </p:spPr>
-      </p:pic>
-      <p:sp>
-        <p:nvSpPr>
-          <p:cNvPr id="2" name="2 Subtítulo">
-            <a:extLst>
-              <a:ext uri="{FF2B5EF4-FFF2-40B4-BE49-F238E27FC236}">
-                <a16:creationId xmlns:a16="http://schemas.microsoft.com/office/drawing/2014/main" id="{E3039CD5-5EDF-B67E-43E0-6A692B67FA09}"/>
-              </a:ext>
-            </a:extLst>
-          </p:cNvPr>
-          <p:cNvSpPr txBox="1">
-            <a:spLocks/>
-          </p:cNvSpPr>
-          <p:nvPr/>
-        </p:nvSpPr>
-        <p:spPr bwMode="auto">
-          <a:xfrm>
-            <a:off x="2267744" y="259824"/>
-            <a:ext cx="6400800" cy="500063"/>
-          </a:xfrm>
-          <a:prstGeom prst="rect">
-            <a:avLst/>
-          </a:prstGeom>
-          <a:noFill/>
-          <a:ln>
-            <a:noFill/>
-          </a:ln>
-          <a:extLst>
-            <a:ext uri="{909E8E84-426E-40DD-AFC4-6F175D3DCCD1}">
-              <a14:hiddenFill xmlns:a14="http://schemas.microsoft.com/office/drawing/2010/main">
-                <a:solidFill>
-                  <a:srgbClr val="FFFFFF"/>
-                </a:solidFill>
-              </a14:hiddenFill>
-            </a:ext>
-            <a:ext uri="{91240B29-F687-4F45-9708-019B960494DF}">
-              <a14:hiddenLine xmlns:a14="http://schemas.microsoft.com/office/drawing/2010/main" w="9525">
-                <a:solidFill>
-                  <a:srgbClr val="000000"/>
-                </a:solidFill>
-                <a:miter lim="800000"/>
-                <a:headEnd/>
-                <a:tailEnd/>
-              </a14:hiddenLine>
-            </a:ext>
-          </a:extLst>
-        </p:spPr>
-        <p:txBody>
-          <a:bodyPr vert="horz" wrap="square" lIns="91440" tIns="45720" rIns="91440" bIns="45720" numCol="1" rtlCol="0" anchor="t" anchorCtr="0" compatLnSpc="1">
-            <a:prstTxWarp prst="textNoShape">
-              <a:avLst/>
-            </a:prstTxWarp>
-            <a:noAutofit/>
-          </a:bodyPr>
-          <a:lstStyle>
-            <a:lvl1pPr marL="342900" indent="-342900" algn="l" rtl="0" eaLnBrk="0" fontAlgn="base" hangingPunct="0">
-              <a:spcBef>
-                <a:spcPct val="20000"/>
-              </a:spcBef>
-              <a:spcAft>
-                <a:spcPct val="0"/>
-              </a:spcAft>
-              <a:buFont typeface="Arial" panose="020B0604020202020204" pitchFamily="34" charset="0"/>
-              <a:buChar char="•"/>
-              <a:defRPr sz="3200" kern="1200">
-                <a:solidFill>
-                  <a:schemeClr val="tx1"/>
-                </a:solidFill>
-                <a:latin typeface="Arial" pitchFamily="34" charset="0"/>
-                <a:ea typeface="+mn-ea"/>
-                <a:cs typeface="Arial" pitchFamily="34" charset="0"/>
-              </a:defRPr>
-            </a:lvl1pPr>
-            <a:lvl2pPr marL="742950" indent="-285750" algn="l" rtl="0" eaLnBrk="0" fontAlgn="base" hangingPunct="0">
-              <a:spcBef>
-                <a:spcPct val="20000"/>
-              </a:spcBef>
-              <a:spcAft>
-                <a:spcPct val="0"/>
-              </a:spcAft>
-              <a:buFont typeface="Arial" panose="020B0604020202020204" pitchFamily="34" charset="0"/>
-              <a:buChar char="–"/>
-              <a:defRPr sz="2800" kern="1200">
-                <a:solidFill>
-                  <a:schemeClr val="tx1"/>
-                </a:solidFill>
-                <a:latin typeface="Arial" pitchFamily="34" charset="0"/>
-                <a:ea typeface="+mn-ea"/>
-                <a:cs typeface="Arial" pitchFamily="34" charset="0"/>
-              </a:defRPr>
-            </a:lvl2pPr>
-            <a:lvl3pPr marL="1143000" indent="-228600" algn="l" rtl="0" eaLnBrk="0" fontAlgn="base" hangingPunct="0">
-              <a:spcBef>
-                <a:spcPct val="20000"/>
-              </a:spcBef>
-              <a:spcAft>
-                <a:spcPct val="0"/>
-              </a:spcAft>
-              <a:buFont typeface="Arial" panose="020B0604020202020204" pitchFamily="34" charset="0"/>
-              <a:buChar char="•"/>
-              <a:defRPr sz="2400" kern="1200">
-                <a:solidFill>
-                  <a:schemeClr val="tx1"/>
-                </a:solidFill>
-                <a:latin typeface="Arial" pitchFamily="34" charset="0"/>
-                <a:ea typeface="+mn-ea"/>
-                <a:cs typeface="Arial" pitchFamily="34" charset="0"/>
-              </a:defRPr>
-            </a:lvl3pPr>
-            <a:lvl4pPr marL="1600200" indent="-228600" algn="l" rtl="0" eaLnBrk="0" fontAlgn="base" hangingPunct="0">
-              <a:spcBef>
-                <a:spcPct val="20000"/>
-              </a:spcBef>
-              <a:spcAft>
-                <a:spcPct val="0"/>
-              </a:spcAft>
-              <a:buFont typeface="Arial" panose="020B0604020202020204" pitchFamily="34" charset="0"/>
-              <a:buChar char="–"/>
-              <a:defRPr sz="2000" kern="1200">
-                <a:solidFill>
-                  <a:schemeClr val="tx1"/>
-                </a:solidFill>
-                <a:latin typeface="Arial" pitchFamily="34" charset="0"/>
-                <a:ea typeface="+mn-ea"/>
-                <a:cs typeface="Arial" pitchFamily="34" charset="0"/>
-              </a:defRPr>
-            </a:lvl4pPr>
-            <a:lvl5pPr marL="2057400" indent="-228600" algn="l" rtl="0" eaLnBrk="0" fontAlgn="base" hangingPunct="0">
-              <a:spcBef>
-                <a:spcPct val="20000"/>
-              </a:spcBef>
-              <a:spcAft>
-                <a:spcPct val="0"/>
-              </a:spcAft>
-              <a:buFont typeface="Arial" panose="020B0604020202020204" pitchFamily="34" charset="0"/>
-              <a:buChar char="»"/>
-              <a:defRPr sz="2000" kern="1200">
-                <a:solidFill>
-                  <a:schemeClr val="tx1"/>
-                </a:solidFill>
-                <a:latin typeface="Arial" pitchFamily="34" charset="0"/>
-                <a:ea typeface="+mn-ea"/>
-                <a:cs typeface="Arial" pitchFamily="34" charset="0"/>
-              </a:defRPr>
-            </a:lvl5pPr>
-            <a:lvl6pPr marL="2514600" indent="-228600" algn="l" defTabSz="914400" rtl="0" eaLnBrk="1" latinLnBrk="0" hangingPunct="1">
-              <a:spcBef>
-                <a:spcPct val="20000"/>
-              </a:spcBef>
-              <a:buFont typeface="Arial" pitchFamily="34" charset="0"/>
-              <a:buChar char="•"/>
-              <a:defRPr sz="2000" kern="1200">
-                <a:solidFill>
-                  <a:schemeClr val="tx1"/>
-                </a:solidFill>
-                <a:latin typeface="+mn-lt"/>
-                <a:ea typeface="+mn-ea"/>
-                <a:cs typeface="+mn-cs"/>
-              </a:defRPr>
-            </a:lvl6pPr>
-            <a:lvl7pPr marL="2971800" indent="-228600" algn="l" defTabSz="914400" rtl="0" eaLnBrk="1" latinLnBrk="0" hangingPunct="1">
-              <a:spcBef>
-                <a:spcPct val="20000"/>
-              </a:spcBef>
-              <a:buFont typeface="Arial" pitchFamily="34" charset="0"/>
-              <a:buChar char="•"/>
-              <a:defRPr sz="2000" kern="1200">
-                <a:solidFill>
-                  <a:schemeClr val="tx1"/>
-                </a:solidFill>
-                <a:latin typeface="+mn-lt"/>
-                <a:ea typeface="+mn-ea"/>
-                <a:cs typeface="+mn-cs"/>
-              </a:defRPr>
-            </a:lvl7pPr>
-            <a:lvl8pPr marL="3429000" indent="-228600" algn="l" defTabSz="914400" rtl="0" eaLnBrk="1" latinLnBrk="0" hangingPunct="1">
-              <a:spcBef>
-                <a:spcPct val="20000"/>
-              </a:spcBef>
-              <a:buFont typeface="Arial" pitchFamily="34" charset="0"/>
-              <a:buChar char="•"/>
-              <a:defRPr sz="2000" kern="1200">
-                <a:solidFill>
-                  <a:schemeClr val="tx1"/>
-                </a:solidFill>
-                <a:latin typeface="+mn-lt"/>
-                <a:ea typeface="+mn-ea"/>
-                <a:cs typeface="+mn-cs"/>
-              </a:defRPr>
-            </a:lvl8pPr>
-            <a:lvl9pPr marL="3886200" indent="-228600" algn="l" defTabSz="914400" rtl="0" eaLnBrk="1" latinLnBrk="0" hangingPunct="1">
-              <a:spcBef>
-                <a:spcPct val="20000"/>
-              </a:spcBef>
-              <a:buFont typeface="Arial" pitchFamily="34" charset="0"/>
-              <a:buChar char="•"/>
-              <a:defRPr sz="2000" kern="1200">
-                <a:solidFill>
-                  <a:schemeClr val="tx1"/>
-                </a:solidFill>
-                <a:latin typeface="+mn-lt"/>
-                <a:ea typeface="+mn-ea"/>
-                <a:cs typeface="+mn-cs"/>
-              </a:defRPr>
-            </a:lvl9pPr>
-          </a:lstStyle>
-          <a:p>
-            <a:pPr marL="0" indent="0" algn="r" eaLnBrk="1" fontAlgn="auto" hangingPunct="1">
-              <a:spcAft>
-                <a:spcPts val="0"/>
-              </a:spcAft>
-              <a:buNone/>
-              <a:defRPr/>
-            </a:pPr>
-            <a:r>
-              <a:rPr lang="es-CO" sz="2000" b="1" dirty="0">
-                <a:solidFill>
-                  <a:schemeClr val="tx1">
-                    <a:lumMod val="75000"/>
-                    <a:lumOff val="25000"/>
-                  </a:schemeClr>
-                </a:solidFill>
-              </a:rPr>
-              <a:t> 6065 SISTEMAS DE CONTROL II</a:t>
-            </a:r>
-          </a:p>
-        </p:txBody>
-      </p:sp>
-      <p:sp>
-        <p:nvSpPr>
-          <p:cNvPr id="3" name="CuadroTexto 2">
-            <a:extLst>
-              <a:ext uri="{FF2B5EF4-FFF2-40B4-BE49-F238E27FC236}">
-                <a16:creationId xmlns:a16="http://schemas.microsoft.com/office/drawing/2014/main" id="{989468C4-5745-FDFE-6E28-10FFE4C6E858}"/>
-              </a:ext>
-            </a:extLst>
-          </p:cNvPr>
-          <p:cNvSpPr txBox="1"/>
-          <p:nvPr/>
-        </p:nvSpPr>
-        <p:spPr>
-          <a:xfrm>
-            <a:off x="2627784" y="3082786"/>
-            <a:ext cx="3888432" cy="369332"/>
-          </a:xfrm>
-          <a:prstGeom prst="rect">
-            <a:avLst/>
-          </a:prstGeom>
-          <a:noFill/>
-        </p:spPr>
-        <p:txBody>
-          <a:bodyPr wrap="square" rtlCol="0">
-            <a:spAutoFit/>
-          </a:bodyPr>
-          <a:lstStyle/>
-          <a:p>
-            <a:pPr algn="ctr"/>
-            <a:r>
-              <a:rPr lang="en-US" b="1" dirty="0"/>
-              <a:t>INTRODUCCIÓN A MATLAB</a:t>
-            </a:r>
-          </a:p>
-        </p:txBody>
-      </p:sp>
-    </p:spTree>
-    <p:extLst>
-      <p:ext uri="{BB962C8B-B14F-4D97-AF65-F5344CB8AC3E}">
-        <p14:creationId xmlns:p14="http://schemas.microsoft.com/office/powerpoint/2010/main" val="3192913639"/>
-      </p:ext>
-    </p:extLst>
   </p:cSld>
   <p:clrMapOvr>
     <a:masterClrMapping/>
@@ -13772,12 +13772,11 @@
 </file>
 
 <file path=customXml/item1.xml><?xml version="1.0" encoding="utf-8"?>
-<?mso-contentType ?>
-<FormTemplates xmlns="http://schemas.microsoft.com/sharepoint/v3/contenttype/forms">
-  <Display>DocumentLibraryForm</Display>
-  <Edit>DocumentLibraryForm</Edit>
-  <New>DocumentLibraryForm</New>
-</FormTemplates>
+<p:properties xmlns:p="http://schemas.microsoft.com/office/2006/metadata/properties" xmlns:xsi="http://www.w3.org/2001/XMLSchema-instance" xmlns:pc="http://schemas.microsoft.com/office/infopath/2007/PartnerControls">
+  <documentManagement>
+    <_activity xmlns="bdc56f61-abc0-4f7e-bfec-a93ccd1ae886" xsi:nil="true"/>
+  </documentManagement>
+</p:properties>
 </file>
 
 <file path=customXml/item2.xml><?xml version="1.0" encoding="utf-8"?>
@@ -14016,17 +14015,27 @@
 </file>
 
 <file path=customXml/item3.xml><?xml version="1.0" encoding="utf-8"?>
-<p:properties xmlns:p="http://schemas.microsoft.com/office/2006/metadata/properties" xmlns:xsi="http://www.w3.org/2001/XMLSchema-instance" xmlns:pc="http://schemas.microsoft.com/office/infopath/2007/PartnerControls">
-  <documentManagement>
-    <_activity xmlns="bdc56f61-abc0-4f7e-bfec-a93ccd1ae886" xsi:nil="true"/>
-  </documentManagement>
-</p:properties>
+<?mso-contentType ?>
+<FormTemplates xmlns="http://schemas.microsoft.com/sharepoint/v3/contenttype/forms">
+  <Display>DocumentLibraryForm</Display>
+  <Edit>DocumentLibraryForm</Edit>
+  <New>DocumentLibraryForm</New>
+</FormTemplates>
 </file>
 
 <file path=customXml/itemProps1.xml><?xml version="1.0" encoding="utf-8"?>
-<ds:datastoreItem xmlns:ds="http://schemas.openxmlformats.org/officeDocument/2006/customXml" ds:itemID="{4E8623C8-32E1-48B0-9F0A-13F2E9582B7E}">
+<ds:datastoreItem xmlns:ds="http://schemas.openxmlformats.org/officeDocument/2006/customXml" ds:itemID="{0825853C-1B27-4995-A583-4D39F900BB7F}">
   <ds:schemaRefs>
-    <ds:schemaRef ds:uri="http://schemas.microsoft.com/sharepoint/v3/contenttype/forms"/>
+    <ds:schemaRef ds:uri="http://schemas.microsoft.com/office/2006/documentManagement/types"/>
+    <ds:schemaRef ds:uri="http://purl.org/dc/dcmitype/"/>
+    <ds:schemaRef ds:uri="http://schemas.openxmlformats.org/package/2006/metadata/core-properties"/>
+    <ds:schemaRef ds:uri="669280c1-d17e-4d1d-bd7f-b4f14cc6bf1d"/>
+    <ds:schemaRef ds:uri="http://purl.org/dc/elements/1.1/"/>
+    <ds:schemaRef ds:uri="http://purl.org/dc/terms/"/>
+    <ds:schemaRef ds:uri="http://schemas.microsoft.com/office/infopath/2007/PartnerControls"/>
+    <ds:schemaRef ds:uri="bdc56f61-abc0-4f7e-bfec-a93ccd1ae886"/>
+    <ds:schemaRef ds:uri="http://schemas.microsoft.com/office/2006/metadata/properties"/>
+    <ds:schemaRef ds:uri="http://www.w3.org/XML/1998/namespace"/>
   </ds:schemaRefs>
 </ds:datastoreItem>
 </file>
@@ -14051,18 +14060,9 @@
 </file>
 
 <file path=customXml/itemProps3.xml><?xml version="1.0" encoding="utf-8"?>
-<ds:datastoreItem xmlns:ds="http://schemas.openxmlformats.org/officeDocument/2006/customXml" ds:itemID="{0825853C-1B27-4995-A583-4D39F900BB7F}">
+<ds:datastoreItem xmlns:ds="http://schemas.openxmlformats.org/officeDocument/2006/customXml" ds:itemID="{4E8623C8-32E1-48B0-9F0A-13F2E9582B7E}">
   <ds:schemaRefs>
-    <ds:schemaRef ds:uri="http://schemas.microsoft.com/office/2006/documentManagement/types"/>
-    <ds:schemaRef ds:uri="http://purl.org/dc/dcmitype/"/>
-    <ds:schemaRef ds:uri="http://schemas.openxmlformats.org/package/2006/metadata/core-properties"/>
-    <ds:schemaRef ds:uri="669280c1-d17e-4d1d-bd7f-b4f14cc6bf1d"/>
-    <ds:schemaRef ds:uri="http://purl.org/dc/elements/1.1/"/>
-    <ds:schemaRef ds:uri="http://purl.org/dc/terms/"/>
-    <ds:schemaRef ds:uri="http://schemas.microsoft.com/office/infopath/2007/PartnerControls"/>
-    <ds:schemaRef ds:uri="bdc56f61-abc0-4f7e-bfec-a93ccd1ae886"/>
-    <ds:schemaRef ds:uri="http://schemas.microsoft.com/office/2006/metadata/properties"/>
-    <ds:schemaRef ds:uri="http://www.w3.org/XML/1998/namespace"/>
+    <ds:schemaRef ds:uri="http://schemas.microsoft.com/sharepoint/v3/contenttype/forms"/>
   </ds:schemaRefs>
 </ds:datastoreItem>
 </file>
--- a/Sesión_0/Semana 0.pptx
+++ b/Sesión_0/Semana 0.pptx
@@ -584,18 +584,26 @@
   <pc:docChgLst>
     <pc:chgData name="JHEYSON FABIAN VILLAVISAN BUITRAGO" userId="e5ced5c2-d787-455d-b115-4f08a699b8c8" providerId="ADAL" clId="{734B5F73-C98D-44CC-99AC-FC7AA898038E}"/>
     <pc:docChg chg="custSel modSld sldOrd">
-      <pc:chgData name="JHEYSON FABIAN VILLAVISAN BUITRAGO" userId="e5ced5c2-d787-455d-b115-4f08a699b8c8" providerId="ADAL" clId="{734B5F73-C98D-44CC-99AC-FC7AA898038E}" dt="2025-01-08T15:02:20.603" v="15" actId="20577"/>
+      <pc:chgData name="JHEYSON FABIAN VILLAVISAN BUITRAGO" userId="e5ced5c2-d787-455d-b115-4f08a699b8c8" providerId="ADAL" clId="{734B5F73-C98D-44CC-99AC-FC7AA898038E}" dt="2025-01-08T15:06:44.529" v="23" actId="1076"/>
       <pc:docMkLst>
         <pc:docMk/>
       </pc:docMkLst>
-      <pc:sldChg chg="modSp mod">
-        <pc:chgData name="JHEYSON FABIAN VILLAVISAN BUITRAGO" userId="e5ced5c2-d787-455d-b115-4f08a699b8c8" providerId="ADAL" clId="{734B5F73-C98D-44CC-99AC-FC7AA898038E}" dt="2025-01-08T15:02:20.603" v="15" actId="20577"/>
+      <pc:sldChg chg="delSp modSp mod">
+        <pc:chgData name="JHEYSON FABIAN VILLAVISAN BUITRAGO" userId="e5ced5c2-d787-455d-b115-4f08a699b8c8" providerId="ADAL" clId="{734B5F73-C98D-44CC-99AC-FC7AA898038E}" dt="2025-01-08T15:06:44.529" v="23" actId="1076"/>
         <pc:sldMkLst>
           <pc:docMk/>
           <pc:sldMk cId="0" sldId="268"/>
         </pc:sldMkLst>
         <pc:spChg chg="mod">
-          <ac:chgData name="JHEYSON FABIAN VILLAVISAN BUITRAGO" userId="e5ced5c2-d787-455d-b115-4f08a699b8c8" providerId="ADAL" clId="{734B5F73-C98D-44CC-99AC-FC7AA898038E}" dt="2025-01-04T00:03:38.590" v="7" actId="1076"/>
+          <ac:chgData name="JHEYSON FABIAN VILLAVISAN BUITRAGO" userId="e5ced5c2-d787-455d-b115-4f08a699b8c8" providerId="ADAL" clId="{734B5F73-C98D-44CC-99AC-FC7AA898038E}" dt="2025-01-08T15:06:29.133" v="18" actId="14100"/>
+          <ac:spMkLst>
+            <pc:docMk/>
+            <pc:sldMk cId="0" sldId="268"/>
+            <ac:spMk id="3" creationId="{989468C4-5745-FDFE-6E28-10FFE4C6E858}"/>
+          </ac:spMkLst>
+        </pc:spChg>
+        <pc:spChg chg="del mod">
+          <ac:chgData name="JHEYSON FABIAN VILLAVISAN BUITRAGO" userId="e5ced5c2-d787-455d-b115-4f08a699b8c8" providerId="ADAL" clId="{734B5F73-C98D-44CC-99AC-FC7AA898038E}" dt="2025-01-08T15:06:42.144" v="22" actId="478"/>
           <ac:spMkLst>
             <pc:docMk/>
             <pc:sldMk cId="0" sldId="268"/>
@@ -610,6 +618,14 @@
             <ac:spMk id="23554" creationId="{EA98F516-CD1D-4B94-8AAC-2D9EAEE9939C}"/>
           </ac:spMkLst>
         </pc:spChg>
+        <pc:picChg chg="mod">
+          <ac:chgData name="JHEYSON FABIAN VILLAVISAN BUITRAGO" userId="e5ced5c2-d787-455d-b115-4f08a699b8c8" providerId="ADAL" clId="{734B5F73-C98D-44CC-99AC-FC7AA898038E}" dt="2025-01-08T15:06:44.529" v="23" actId="1076"/>
+          <ac:picMkLst>
+            <pc:docMk/>
+            <pc:sldMk cId="0" sldId="268"/>
+            <ac:picMk id="5" creationId="{533EA922-420A-02FE-89EC-0B69F01B53B4}"/>
+          </ac:picMkLst>
+        </pc:picChg>
       </pc:sldChg>
       <pc:sldChg chg="addSp delSp modSp mod">
         <pc:chgData name="JHEYSON FABIAN VILLAVISAN BUITRAGO" userId="e5ced5c2-d787-455d-b115-4f08a699b8c8" providerId="ADAL" clId="{734B5F73-C98D-44CC-99AC-FC7AA898038E}" dt="2025-01-04T00:03:24.644" v="4"/>
@@ -12798,7 +12814,7 @@
         <p:spPr>
           <a:xfrm>
             <a:off x="899592" y="1556792"/>
-            <a:ext cx="3888432" cy="369332"/>
+            <a:ext cx="7704856" cy="1200329"/>
           </a:xfrm>
           <a:prstGeom prst="rect">
             <a:avLst/>
@@ -12823,6 +12839,21 @@
               <a:rPr lang="en-US" dirty="0" err="1"/>
               <a:t>Repaso</a:t>
             </a:r>
+            <a:endParaRPr lang="en-US" dirty="0"/>
+          </a:p>
+          <a:p>
+            <a:r>
+              <a:rPr lang="es-ES" b="0" i="0" dirty="0">
+                <a:solidFill>
+                  <a:srgbClr val="212121"/>
+                </a:solidFill>
+                <a:effectLst/>
+                <a:latin typeface="Helvetica" panose="020B0604020202020204" pitchFamily="34" charset="0"/>
+              </a:rPr>
+              <a:t>Obtener la función de transferencia en el dominio de Laplace, en términos de R, L y C del siguiente sistema eléctrico:</a:t>
+            </a:r>
+          </a:p>
+          <a:p>
             <a:r>
               <a:rPr lang="en-US" dirty="0"/>
               <a:t>  </a:t>
@@ -12852,56 +12883,14 @@
         </p:blipFill>
         <p:spPr>
           <a:xfrm>
-            <a:off x="1893013" y="2052166"/>
-            <a:ext cx="5171068" cy="2747884"/>
+            <a:off x="2317848" y="2996952"/>
+            <a:ext cx="4508304" cy="2395694"/>
           </a:xfrm>
           <a:prstGeom prst="rect">
             <a:avLst/>
           </a:prstGeom>
         </p:spPr>
       </p:pic>
-      <p:sp>
-        <p:nvSpPr>
-          <p:cNvPr id="7" name="CuadroTexto 6">
-            <a:extLst>
-              <a:ext uri="{FF2B5EF4-FFF2-40B4-BE49-F238E27FC236}">
-                <a16:creationId xmlns:a16="http://schemas.microsoft.com/office/drawing/2014/main" id="{ADAEF221-46CF-A663-F648-2E7E83894D62}"/>
-              </a:ext>
-            </a:extLst>
-          </p:cNvPr>
-          <p:cNvSpPr txBox="1"/>
-          <p:nvPr/>
-        </p:nvSpPr>
-        <p:spPr>
-          <a:xfrm>
-            <a:off x="1238636" y="4800050"/>
-            <a:ext cx="6666728" cy="954107"/>
-          </a:xfrm>
-          <a:prstGeom prst="rect">
-            <a:avLst/>
-          </a:prstGeom>
-          <a:noFill/>
-        </p:spPr>
-        <p:txBody>
-          <a:bodyPr wrap="square">
-            <a:spAutoFit/>
-          </a:bodyPr>
-          <a:lstStyle/>
-          <a:p>
-            <a:pPr algn="ctr"/>
-            <a:r>
-              <a:rPr lang="es-CO" sz="2800" dirty="0">
-                <a:effectLst/>
-                <a:latin typeface="Calibri" panose="020F0502020204030204" pitchFamily="34" charset="0"/>
-                <a:ea typeface="Calibri" panose="020F0502020204030204" pitchFamily="34" charset="0"/>
-                <a:cs typeface="Times New Roman" panose="02020603050405020304" pitchFamily="18" charset="0"/>
-              </a:rPr>
-              <a:t>Halle la función de transferencia, en términos de R, L y C.</a:t>
-            </a:r>
-            <a:endParaRPr lang="en-US" sz="2800" dirty="0"/>
-          </a:p>
-        </p:txBody>
-      </p:sp>
     </p:spTree>
   </p:cSld>
   <p:clrMapOvr>
@@ -13772,11 +13761,12 @@
 </file>
 
 <file path=customXml/item1.xml><?xml version="1.0" encoding="utf-8"?>
-<p:properties xmlns:p="http://schemas.microsoft.com/office/2006/metadata/properties" xmlns:xsi="http://www.w3.org/2001/XMLSchema-instance" xmlns:pc="http://schemas.microsoft.com/office/infopath/2007/PartnerControls">
-  <documentManagement>
-    <_activity xmlns="bdc56f61-abc0-4f7e-bfec-a93ccd1ae886" xsi:nil="true"/>
-  </documentManagement>
-</p:properties>
+<?mso-contentType ?>
+<FormTemplates xmlns="http://schemas.microsoft.com/sharepoint/v3/contenttype/forms">
+  <Display>DocumentLibraryForm</Display>
+  <Edit>DocumentLibraryForm</Edit>
+  <New>DocumentLibraryForm</New>
+</FormTemplates>
 </file>
 
 <file path=customXml/item2.xml><?xml version="1.0" encoding="utf-8"?>
@@ -14015,27 +14005,17 @@
 </file>
 
 <file path=customXml/item3.xml><?xml version="1.0" encoding="utf-8"?>
-<?mso-contentType ?>
-<FormTemplates xmlns="http://schemas.microsoft.com/sharepoint/v3/contenttype/forms">
-  <Display>DocumentLibraryForm</Display>
-  <Edit>DocumentLibraryForm</Edit>
-  <New>DocumentLibraryForm</New>
-</FormTemplates>
+<p:properties xmlns:p="http://schemas.microsoft.com/office/2006/metadata/properties" xmlns:xsi="http://www.w3.org/2001/XMLSchema-instance" xmlns:pc="http://schemas.microsoft.com/office/infopath/2007/PartnerControls">
+  <documentManagement>
+    <_activity xmlns="bdc56f61-abc0-4f7e-bfec-a93ccd1ae886" xsi:nil="true"/>
+  </documentManagement>
+</p:properties>
 </file>
 
 <file path=customXml/itemProps1.xml><?xml version="1.0" encoding="utf-8"?>
-<ds:datastoreItem xmlns:ds="http://schemas.openxmlformats.org/officeDocument/2006/customXml" ds:itemID="{0825853C-1B27-4995-A583-4D39F900BB7F}">
+<ds:datastoreItem xmlns:ds="http://schemas.openxmlformats.org/officeDocument/2006/customXml" ds:itemID="{4E8623C8-32E1-48B0-9F0A-13F2E9582B7E}">
   <ds:schemaRefs>
-    <ds:schemaRef ds:uri="http://schemas.microsoft.com/office/2006/documentManagement/types"/>
-    <ds:schemaRef ds:uri="http://purl.org/dc/dcmitype/"/>
-    <ds:schemaRef ds:uri="http://schemas.openxmlformats.org/package/2006/metadata/core-properties"/>
-    <ds:schemaRef ds:uri="669280c1-d17e-4d1d-bd7f-b4f14cc6bf1d"/>
-    <ds:schemaRef ds:uri="http://purl.org/dc/elements/1.1/"/>
-    <ds:schemaRef ds:uri="http://purl.org/dc/terms/"/>
-    <ds:schemaRef ds:uri="http://schemas.microsoft.com/office/infopath/2007/PartnerControls"/>
-    <ds:schemaRef ds:uri="bdc56f61-abc0-4f7e-bfec-a93ccd1ae886"/>
-    <ds:schemaRef ds:uri="http://schemas.microsoft.com/office/2006/metadata/properties"/>
-    <ds:schemaRef ds:uri="http://www.w3.org/XML/1998/namespace"/>
+    <ds:schemaRef ds:uri="http://schemas.microsoft.com/sharepoint/v3/contenttype/forms"/>
   </ds:schemaRefs>
 </ds:datastoreItem>
 </file>
@@ -14060,9 +14040,18 @@
 </file>
 
 <file path=customXml/itemProps3.xml><?xml version="1.0" encoding="utf-8"?>
-<ds:datastoreItem xmlns:ds="http://schemas.openxmlformats.org/officeDocument/2006/customXml" ds:itemID="{4E8623C8-32E1-48B0-9F0A-13F2E9582B7E}">
+<ds:datastoreItem xmlns:ds="http://schemas.openxmlformats.org/officeDocument/2006/customXml" ds:itemID="{0825853C-1B27-4995-A583-4D39F900BB7F}">
   <ds:schemaRefs>
-    <ds:schemaRef ds:uri="http://schemas.microsoft.com/sharepoint/v3/contenttype/forms"/>
+    <ds:schemaRef ds:uri="http://schemas.microsoft.com/office/2006/documentManagement/types"/>
+    <ds:schemaRef ds:uri="http://purl.org/dc/dcmitype/"/>
+    <ds:schemaRef ds:uri="http://schemas.openxmlformats.org/package/2006/metadata/core-properties"/>
+    <ds:schemaRef ds:uri="669280c1-d17e-4d1d-bd7f-b4f14cc6bf1d"/>
+    <ds:schemaRef ds:uri="http://purl.org/dc/elements/1.1/"/>
+    <ds:schemaRef ds:uri="http://purl.org/dc/terms/"/>
+    <ds:schemaRef ds:uri="http://schemas.microsoft.com/office/infopath/2007/PartnerControls"/>
+    <ds:schemaRef ds:uri="bdc56f61-abc0-4f7e-bfec-a93ccd1ae886"/>
+    <ds:schemaRef ds:uri="http://schemas.microsoft.com/office/2006/metadata/properties"/>
+    <ds:schemaRef ds:uri="http://www.w3.org/XML/1998/namespace"/>
   </ds:schemaRefs>
 </ds:datastoreItem>
 </file>